--- a/topic-000-assignment/talk-1-assignment-lab/spec_1.pptx
+++ b/topic-000-assignment/talk-1-assignment-lab/spec_1.pptx
@@ -11650,7 +11650,7 @@
           <a:p>
             <a:fld id="{579B9E99-C503-46FF-BA39-A9A967032C6C}" type="datetimeFigureOut">
               <a:rPr lang="en-US"/>
-              <a:t>2/16/2023</a:t>
+              <a:t>2/17/2023</a:t>
             </a:fld>
             <a:endParaRPr lang="en-US"/>
           </a:p>
@@ -12468,7 +12468,7 @@
           <a:p>
             <a:fld id="{846CE7D5-CF57-46EF-B807-FDD0502418D4}" type="datetimeFigureOut">
               <a:rPr lang="en-US" smtClean="0"/>
-              <a:t>2/16/2023</a:t>
+              <a:t>2/17/2023</a:t>
             </a:fld>
             <a:endParaRPr lang="en-US"/>
           </a:p>
@@ -12638,7 +12638,7 @@
           <a:p>
             <a:fld id="{846CE7D5-CF57-46EF-B807-FDD0502418D4}" type="datetimeFigureOut">
               <a:rPr lang="en-US" smtClean="0"/>
-              <a:t>2/16/2023</a:t>
+              <a:t>2/17/2023</a:t>
             </a:fld>
             <a:endParaRPr lang="en-US"/>
           </a:p>
@@ -12818,7 +12818,7 @@
           <a:p>
             <a:fld id="{846CE7D5-CF57-46EF-B807-FDD0502418D4}" type="datetimeFigureOut">
               <a:rPr lang="en-US" smtClean="0"/>
-              <a:t>2/16/2023</a:t>
+              <a:t>2/17/2023</a:t>
             </a:fld>
             <a:endParaRPr lang="en-US"/>
           </a:p>
@@ -12988,7 +12988,7 @@
           <a:p>
             <a:fld id="{846CE7D5-CF57-46EF-B807-FDD0502418D4}" type="datetimeFigureOut">
               <a:rPr lang="en-US" smtClean="0"/>
-              <a:t>2/16/2023</a:t>
+              <a:t>2/17/2023</a:t>
             </a:fld>
             <a:endParaRPr lang="en-US"/>
           </a:p>
@@ -13234,7 +13234,7 @@
           <a:p>
             <a:fld id="{846CE7D5-CF57-46EF-B807-FDD0502418D4}" type="datetimeFigureOut">
               <a:rPr lang="en-US" smtClean="0"/>
-              <a:t>2/16/2023</a:t>
+              <a:t>2/17/2023</a:t>
             </a:fld>
             <a:endParaRPr lang="en-US"/>
           </a:p>
@@ -13466,7 +13466,7 @@
           <a:p>
             <a:fld id="{846CE7D5-CF57-46EF-B807-FDD0502418D4}" type="datetimeFigureOut">
               <a:rPr lang="en-US" smtClean="0"/>
-              <a:t>2/16/2023</a:t>
+              <a:t>2/17/2023</a:t>
             </a:fld>
             <a:endParaRPr lang="en-US"/>
           </a:p>
@@ -13833,7 +13833,7 @@
           <a:p>
             <a:fld id="{846CE7D5-CF57-46EF-B807-FDD0502418D4}" type="datetimeFigureOut">
               <a:rPr lang="en-US" smtClean="0"/>
-              <a:t>2/16/2023</a:t>
+              <a:t>2/17/2023</a:t>
             </a:fld>
             <a:endParaRPr lang="en-US"/>
           </a:p>
@@ -13951,7 +13951,7 @@
           <a:p>
             <a:fld id="{846CE7D5-CF57-46EF-B807-FDD0502418D4}" type="datetimeFigureOut">
               <a:rPr lang="en-US" smtClean="0"/>
-              <a:t>2/16/2023</a:t>
+              <a:t>2/17/2023</a:t>
             </a:fld>
             <a:endParaRPr lang="en-US"/>
           </a:p>
@@ -14046,7 +14046,7 @@
           <a:p>
             <a:fld id="{846CE7D5-CF57-46EF-B807-FDD0502418D4}" type="datetimeFigureOut">
               <a:rPr lang="en-US" smtClean="0"/>
-              <a:t>2/16/2023</a:t>
+              <a:t>2/17/2023</a:t>
             </a:fld>
             <a:endParaRPr lang="en-US"/>
           </a:p>
@@ -14323,7 +14323,7 @@
           <a:p>
             <a:fld id="{846CE7D5-CF57-46EF-B807-FDD0502418D4}" type="datetimeFigureOut">
               <a:rPr lang="en-US" smtClean="0"/>
-              <a:t>2/16/2023</a:t>
+              <a:t>2/17/2023</a:t>
             </a:fld>
             <a:endParaRPr lang="en-US"/>
           </a:p>
@@ -14580,7 +14580,7 @@
           <a:p>
             <a:fld id="{846CE7D5-CF57-46EF-B807-FDD0502418D4}" type="datetimeFigureOut">
               <a:rPr lang="en-US" smtClean="0"/>
-              <a:t>2/16/2023</a:t>
+              <a:t>2/17/2023</a:t>
             </a:fld>
             <a:endParaRPr lang="en-US"/>
           </a:p>
@@ -14793,7 +14793,7 @@
           <a:p>
             <a:fld id="{846CE7D5-CF57-46EF-B807-FDD0502418D4}" type="datetimeFigureOut">
               <a:rPr lang="en-US" smtClean="0"/>
-              <a:t>2/16/2023</a:t>
+              <a:t>2/17/2023</a:t>
             </a:fld>
             <a:endParaRPr lang="en-US"/>
           </a:p>
@@ -17770,7 +17770,7 @@
           <a:p>
             <a:r>
               <a:rPr lang="en-IE" dirty="0"/>
-              <a:t>Possible Theme: Energy Efficiency</a:t>
+              <a:t>Possible Theme: Energy Use</a:t>
             </a:r>
           </a:p>
         </p:txBody>
@@ -18652,7 +18652,7 @@
         </p:spPr>
         <p:txBody>
           <a:bodyPr anchor="t">
-            <a:normAutofit fontScale="92500"/>
+            <a:normAutofit lnSpcReduction="10000"/>
           </a:bodyPr>
           <a:lstStyle/>
           <a:p>
@@ -18697,19 +18697,22 @@
           <a:p>
             <a:r>
               <a:rPr lang="en-IE" sz="1700" dirty="0"/>
-              <a:t>IDEA: Create an IoT device that identifies optimal time to use high energy consuming devices.</a:t>
+              <a:t>IDEAS: Create an IoT device that identifies:</a:t>
             </a:r>
-            <a:endParaRPr lang="en-IE" sz="1300" dirty="0"/>
           </a:p>
           <a:p>
             <a:pPr lvl="1"/>
             <a:r>
               <a:rPr lang="en-IE" sz="1300" dirty="0"/>
-              <a:t>Encourage </a:t>
+              <a:t>Optimal time to use high energy consuming devices.</a:t>
             </a:r>
+            <a:endParaRPr lang="en-IE" sz="900" dirty="0"/>
+          </a:p>
+          <a:p>
+            <a:pPr lvl="1"/>
             <a:r>
-              <a:rPr lang="en-IE" sz="1300"/>
-              <a:t>better practices</a:t>
+              <a:rPr lang="en-IE" sz="1300" dirty="0"/>
+              <a:t>Encourage use of green transport</a:t>
             </a:r>
           </a:p>
         </p:txBody>

--- a/topic-000-assignment/talk-1-assignment-lab/spec_1.pptx
+++ b/topic-000-assignment/talk-1-assignment-lab/spec_1.pptx
@@ -5,7 +5,7 @@
     <p:sldMasterId id="2147483660" r:id="rId1"/>
   </p:sldMasterIdLst>
   <p:notesMasterIdLst>
-    <p:notesMasterId r:id="rId8"/>
+    <p:notesMasterId r:id="rId10"/>
   </p:notesMasterIdLst>
   <p:sldIdLst>
     <p:sldId id="256" r:id="rId2"/>
@@ -14,6 +14,8 @@
     <p:sldId id="258" r:id="rId5"/>
     <p:sldId id="259" r:id="rId6"/>
     <p:sldId id="261" r:id="rId7"/>
+    <p:sldId id="262" r:id="rId8"/>
+    <p:sldId id="263" r:id="rId9"/>
   </p:sldIdLst>
   <p:sldSz cx="12192000" cy="6858000"/>
   <p:notesSz cx="6858000" cy="9144000"/>
@@ -3709,11 +3711,11 @@
           </a:pPr>
           <a:r>
             <a:rPr lang="en-US" dirty="0"/>
-            <a:t>3</a:t>
+            <a:t>1</a:t>
           </a:r>
           <a:r>
             <a:rPr lang="en-US" baseline="30000" dirty="0"/>
-            <a:t>rd</a:t>
+            <a:t>st</a:t>
           </a:r>
           <a:r>
             <a:rPr lang="en-US" dirty="0"/>
@@ -3753,15 +3755,15 @@
         <a:p>
           <a:r>
             <a:rPr lang="en-US" dirty="0"/>
-            <a:t>Proposal document (for 3</a:t>
+            <a:t>Proposal document (for 8</a:t>
           </a:r>
           <a:r>
             <a:rPr lang="en-US" baseline="30000" dirty="0"/>
-            <a:t>rd</a:t>
+            <a:t>th</a:t>
           </a:r>
           <a:r>
             <a:rPr lang="en-US" dirty="0"/>
-            <a:t> March)</a:t>
+            <a:t>  March)</a:t>
           </a:r>
         </a:p>
       </dgm:t>
@@ -3796,7 +3798,7 @@
         <a:lstStyle/>
         <a:p>
           <a:r>
-            <a:rPr lang="en-US"/>
+            <a:rPr lang="en-US" dirty="0"/>
             <a:t>One page document with general concept.</a:t>
           </a:r>
         </a:p>
@@ -3872,15 +3874,15 @@
           </a:pPr>
           <a:r>
             <a:rPr lang="en-US" dirty="0"/>
-            <a:t>31</a:t>
+            <a:t>22</a:t>
           </a:r>
           <a:r>
             <a:rPr lang="en-US" baseline="30000" dirty="0"/>
-            <a:t>st</a:t>
+            <a:t>nd</a:t>
           </a:r>
           <a:r>
             <a:rPr lang="en-US" dirty="0"/>
-            <a:t> Mar (week9)</a:t>
+            <a:t> March (week9)</a:t>
           </a:r>
         </a:p>
       </dgm:t>
@@ -3987,7 +3989,7 @@
         <a:lstStyle/>
         <a:p>
           <a:r>
-            <a:rPr lang="en-US"/>
+            <a:rPr lang="en-US" dirty="0"/>
             <a:t>Feedback on progress</a:t>
           </a:r>
         </a:p>
@@ -4026,8 +4028,24 @@
             <a:defRPr b="1"/>
           </a:pPr>
           <a:r>
-            <a:rPr lang="en-US"/>
-            <a:t>1–9 May (week12/13)</a:t>
+            <a:rPr lang="en-US" dirty="0"/>
+            <a:t>26</a:t>
+          </a:r>
+          <a:r>
+            <a:rPr lang="en-US" baseline="30000" dirty="0"/>
+            <a:t>th</a:t>
+          </a:r>
+          <a:r>
+            <a:rPr lang="en-US" dirty="0"/>
+            <a:t> April–3</a:t>
+          </a:r>
+          <a:r>
+            <a:rPr lang="en-US" baseline="30000" dirty="0"/>
+            <a:t>rd</a:t>
+          </a:r>
+          <a:r>
+            <a:rPr lang="en-US" dirty="0"/>
+            <a:t>  May (week12/13)</a:t>
           </a:r>
         </a:p>
       </dgm:t>
@@ -4098,7 +4116,7 @@
         <a:lstStyle/>
         <a:p>
           <a:r>
-            <a:rPr lang="en-US"/>
+            <a:rPr lang="en-US" dirty="0"/>
             <a:t>Full submission.</a:t>
           </a:r>
         </a:p>
@@ -4134,7 +4152,7 @@
         <a:lstStyle/>
         <a:p>
           <a:r>
-            <a:rPr lang="en-US"/>
+            <a:rPr lang="en-US" dirty="0"/>
             <a:t>Present your work.</a:t>
           </a:r>
         </a:p>
@@ -4380,7 +4398,7 @@
       <dgm:spPr/>
     </dgm:pt>
     <dgm:pt modelId="{6192B42F-B9FA-432D-ADFF-C2B4BEE69AD5}" type="pres">
-      <dgm:prSet presAssocID="{35568445-BC21-43E5-AF53-3AB230EDEFE7}" presName="L1TextContainer" presStyleLbl="revTx" presStyleIdx="3" presStyleCnt="6">
+      <dgm:prSet presAssocID="{35568445-BC21-43E5-AF53-3AB230EDEFE7}" presName="L1TextContainer" presStyleLbl="revTx" presStyleIdx="3" presStyleCnt="6" custScaleX="99165">
         <dgm:presLayoutVars>
           <dgm:chMax val="1"/>
           <dgm:chPref val="1"/>
@@ -6084,7 +6102,7 @@
       </dsp:nvSpPr>
       <dsp:spPr>
         <a:xfrm rot="8100000">
-          <a:off x="91393" y="681867"/>
+          <a:off x="96958" y="681867"/>
           <a:ext cx="425434" cy="425434"/>
         </a:xfrm>
         <a:prstGeom prst="teardrop">
@@ -6136,7 +6154,7 @@
       </dsp:nvSpPr>
       <dsp:spPr>
         <a:xfrm>
-          <a:off x="138656" y="729129"/>
+          <a:off x="144220" y="729129"/>
           <a:ext cx="330910" cy="330910"/>
         </a:xfrm>
         <a:prstGeom prst="ellipse">
@@ -6178,7 +6196,7 @@
       </dsp:nvSpPr>
       <dsp:spPr>
         <a:xfrm>
-          <a:off x="604938" y="1200626"/>
+          <a:off x="610503" y="1200626"/>
           <a:ext cx="2665679" cy="1742086"/>
         </a:xfrm>
         <a:prstGeom prst="rect">
@@ -6222,15 +6240,15 @@
           </a:pPr>
           <a:r>
             <a:rPr lang="en-US" sz="1500" kern="1200" dirty="0"/>
-            <a:t>Proposal document (for 3</a:t>
+            <a:t>Proposal document (for 8</a:t>
           </a:r>
           <a:r>
             <a:rPr lang="en-US" sz="1500" kern="1200" baseline="30000" dirty="0"/>
-            <a:t>rd</a:t>
+            <a:t>th</a:t>
           </a:r>
           <a:r>
             <a:rPr lang="en-US" sz="1500" kern="1200" dirty="0"/>
-            <a:t> March)</a:t>
+            <a:t>  March)</a:t>
           </a:r>
         </a:p>
         <a:p>
@@ -6247,7 +6265,7 @@
             <a:buChar char="•"/>
           </a:pPr>
           <a:r>
-            <a:rPr lang="en-US" sz="1200" kern="1200"/>
+            <a:rPr lang="en-US" sz="1200" kern="1200" dirty="0"/>
             <a:t>One page document with general concept.</a:t>
           </a:r>
         </a:p>
@@ -6271,7 +6289,7 @@
         </a:p>
       </dsp:txBody>
       <dsp:txXfrm>
-        <a:off x="604938" y="1200626"/>
+        <a:off x="610503" y="1200626"/>
         <a:ext cx="2665679" cy="1742086"/>
       </dsp:txXfrm>
     </dsp:sp>
@@ -6282,7 +6300,7 @@
       </dsp:nvSpPr>
       <dsp:spPr>
         <a:xfrm>
-          <a:off x="604938" y="588542"/>
+          <a:off x="610503" y="588542"/>
           <a:ext cx="2665679" cy="612084"/>
         </a:xfrm>
         <a:prstGeom prst="rect">
@@ -6327,11 +6345,11 @@
           </a:pPr>
           <a:r>
             <a:rPr lang="en-US" sz="2000" kern="1200" dirty="0"/>
-            <a:t>3</a:t>
+            <a:t>1</a:t>
           </a:r>
           <a:r>
             <a:rPr lang="en-US" sz="2000" kern="1200" baseline="30000" dirty="0"/>
-            <a:t>rd</a:t>
+            <a:t>st</a:t>
           </a:r>
           <a:r>
             <a:rPr lang="en-US" sz="2000" kern="1200" dirty="0"/>
@@ -6340,7 +6358,7 @@
         </a:p>
       </dsp:txBody>
       <dsp:txXfrm>
-        <a:off x="604938" y="588542"/>
+        <a:off x="610503" y="588542"/>
         <a:ext cx="2665679" cy="612084"/>
       </dsp:txXfrm>
     </dsp:sp>
@@ -6351,7 +6369,7 @@
       </dsp:nvSpPr>
       <dsp:spPr>
         <a:xfrm>
-          <a:off x="304111" y="1200626"/>
+          <a:off x="309675" y="1200626"/>
           <a:ext cx="0" cy="1742086"/>
         </a:xfrm>
         <a:prstGeom prst="line">
@@ -6392,7 +6410,7 @@
       </dsp:nvSpPr>
       <dsp:spPr>
         <a:xfrm>
-          <a:off x="255176" y="2887625"/>
+          <a:off x="260741" y="2887625"/>
           <a:ext cx="108297" cy="110175"/>
         </a:xfrm>
         <a:prstGeom prst="ellipse">
@@ -6442,8 +6460,8 @@
       </dsp:nvSpPr>
       <dsp:spPr>
         <a:xfrm rot="18900000">
-          <a:off x="1711244" y="4778124"/>
-          <a:ext cx="425434" cy="425434"/>
+          <a:off x="1815058" y="3923500"/>
+          <a:ext cx="228935" cy="228935"/>
         </a:xfrm>
         <a:prstGeom prst="teardrop">
           <a:avLst>
@@ -6494,8 +6512,8 @@
       </dsp:nvSpPr>
       <dsp:spPr>
         <a:xfrm>
-          <a:off x="1758506" y="4825386"/>
-          <a:ext cx="330910" cy="330910"/>
+          <a:off x="1764071" y="3874309"/>
+          <a:ext cx="330910" cy="327317"/>
         </a:xfrm>
         <a:prstGeom prst="ellipse">
           <a:avLst/>
@@ -6536,8 +6554,8 @@
       </dsp:nvSpPr>
       <dsp:spPr>
         <a:xfrm>
-          <a:off x="2224789" y="2942713"/>
-          <a:ext cx="2665679" cy="1742086"/>
+          <a:off x="2241483" y="2942713"/>
+          <a:ext cx="2643421" cy="931596"/>
         </a:xfrm>
         <a:prstGeom prst="rect">
           <a:avLst/>
@@ -6615,14 +6633,14 @@
             <a:buChar char="•"/>
           </a:pPr>
           <a:r>
-            <a:rPr lang="en-US" sz="1200" kern="1200"/>
+            <a:rPr lang="en-US" sz="1200" kern="1200" dirty="0"/>
             <a:t>Feedback on progress</a:t>
           </a:r>
         </a:p>
       </dsp:txBody>
       <dsp:txXfrm>
-        <a:off x="2224789" y="2942713"/>
-        <a:ext cx="2665679" cy="1742086"/>
+        <a:off x="2241483" y="2942713"/>
+        <a:ext cx="2643421" cy="931596"/>
       </dsp:txXfrm>
     </dsp:sp>
     <dsp:sp modelId="{6192B42F-B9FA-432D-ADFF-C2B4BEE69AD5}">
@@ -6632,8 +6650,8 @@
       </dsp:nvSpPr>
       <dsp:spPr>
         <a:xfrm>
-          <a:off x="2224789" y="4684799"/>
-          <a:ext cx="2665679" cy="612084"/>
+          <a:off x="2241483" y="3874309"/>
+          <a:ext cx="2643421" cy="327317"/>
         </a:xfrm>
         <a:prstGeom prst="rect">
           <a:avLst/>
@@ -6677,21 +6695,21 @@
           </a:pPr>
           <a:r>
             <a:rPr lang="en-US" sz="2000" kern="1200" dirty="0"/>
-            <a:t>31</a:t>
+            <a:t>22</a:t>
           </a:r>
           <a:r>
             <a:rPr lang="en-US" sz="2000" kern="1200" baseline="30000" dirty="0"/>
-            <a:t>st</a:t>
+            <a:t>nd</a:t>
           </a:r>
           <a:r>
             <a:rPr lang="en-US" sz="2000" kern="1200" dirty="0"/>
-            <a:t> Mar (week9)</a:t>
+            <a:t> March (week9)</a:t>
           </a:r>
         </a:p>
       </dsp:txBody>
       <dsp:txXfrm>
-        <a:off x="2224789" y="4684799"/>
-        <a:ext cx="2665679" cy="612084"/>
+        <a:off x="2241483" y="3874309"/>
+        <a:ext cx="2643421" cy="327317"/>
       </dsp:txXfrm>
     </dsp:sp>
     <dsp:sp modelId="{6A84B18C-DA35-4003-892F-C173EC801EE2}">
@@ -6701,8 +6719,8 @@
       </dsp:nvSpPr>
       <dsp:spPr>
         <a:xfrm>
-          <a:off x="1923962" y="2942713"/>
-          <a:ext cx="0" cy="1742086"/>
+          <a:off x="1929526" y="2942713"/>
+          <a:ext cx="0" cy="931596"/>
         </a:xfrm>
         <a:prstGeom prst="line">
           <a:avLst/>
@@ -6742,8 +6760,8 @@
       </dsp:nvSpPr>
       <dsp:spPr>
         <a:xfrm>
-          <a:off x="1875027" y="2887625"/>
-          <a:ext cx="108297" cy="110175"/>
+          <a:off x="1833482" y="2913254"/>
+          <a:ext cx="202517" cy="58917"/>
         </a:xfrm>
         <a:prstGeom prst="ellipse">
           <a:avLst/>
@@ -6792,7 +6810,7 @@
       </dsp:nvSpPr>
       <dsp:spPr>
         <a:xfrm rot="8100000">
-          <a:off x="3331095" y="681867"/>
+          <a:off x="3325531" y="681867"/>
           <a:ext cx="425434" cy="425434"/>
         </a:xfrm>
         <a:prstGeom prst="teardrop">
@@ -6844,7 +6862,7 @@
       </dsp:nvSpPr>
       <dsp:spPr>
         <a:xfrm>
-          <a:off x="3378357" y="729129"/>
+          <a:off x="3372793" y="729129"/>
           <a:ext cx="330910" cy="330910"/>
         </a:xfrm>
         <a:prstGeom prst="ellipse">
@@ -6886,7 +6904,7 @@
       </dsp:nvSpPr>
       <dsp:spPr>
         <a:xfrm>
-          <a:off x="3844640" y="1200626"/>
+          <a:off x="3839075" y="1200626"/>
           <a:ext cx="2665679" cy="1742086"/>
         </a:xfrm>
         <a:prstGeom prst="rect">
@@ -6947,7 +6965,7 @@
             <a:buChar char="•"/>
           </a:pPr>
           <a:r>
-            <a:rPr lang="en-US" sz="1200" kern="1200"/>
+            <a:rPr lang="en-US" sz="1200" kern="1200" dirty="0"/>
             <a:t>Full submission.</a:t>
           </a:r>
         </a:p>
@@ -6965,13 +6983,13 @@
             <a:buChar char="•"/>
           </a:pPr>
           <a:r>
-            <a:rPr lang="en-US" sz="1200" kern="1200"/>
+            <a:rPr lang="en-US" sz="1200" kern="1200" dirty="0"/>
             <a:t>Present your work.</a:t>
           </a:r>
         </a:p>
       </dsp:txBody>
       <dsp:txXfrm>
-        <a:off x="3844640" y="1200626"/>
+        <a:off x="3839075" y="1200626"/>
         <a:ext cx="2665679" cy="1742086"/>
       </dsp:txXfrm>
     </dsp:sp>
@@ -6982,7 +7000,7 @@
       </dsp:nvSpPr>
       <dsp:spPr>
         <a:xfrm>
-          <a:off x="3844640" y="588542"/>
+          <a:off x="3839075" y="588542"/>
           <a:ext cx="2665679" cy="612084"/>
         </a:xfrm>
         <a:prstGeom prst="rect">
@@ -7026,13 +7044,29 @@
             <a:defRPr b="1"/>
           </a:pPr>
           <a:r>
-            <a:rPr lang="en-US" sz="2000" kern="1200"/>
-            <a:t>1–9 May (week12/13)</a:t>
+            <a:rPr lang="en-US" sz="2000" kern="1200" dirty="0"/>
+            <a:t>26</a:t>
+          </a:r>
+          <a:r>
+            <a:rPr lang="en-US" sz="2000" kern="1200" baseline="30000" dirty="0"/>
+            <a:t>th</a:t>
+          </a:r>
+          <a:r>
+            <a:rPr lang="en-US" sz="2000" kern="1200" dirty="0"/>
+            <a:t> April–3</a:t>
+          </a:r>
+          <a:r>
+            <a:rPr lang="en-US" sz="2000" kern="1200" baseline="30000" dirty="0"/>
+            <a:t>rd</a:t>
+          </a:r>
+          <a:r>
+            <a:rPr lang="en-US" sz="2000" kern="1200" dirty="0"/>
+            <a:t>  May (week12/13)</a:t>
           </a:r>
         </a:p>
       </dsp:txBody>
       <dsp:txXfrm>
-        <a:off x="3844640" y="588542"/>
+        <a:off x="3839075" y="588542"/>
         <a:ext cx="2665679" cy="612084"/>
       </dsp:txXfrm>
     </dsp:sp>
@@ -7043,7 +7077,7 @@
       </dsp:nvSpPr>
       <dsp:spPr>
         <a:xfrm>
-          <a:off x="3543813" y="1200626"/>
+          <a:off x="3538248" y="1200626"/>
           <a:ext cx="0" cy="1742086"/>
         </a:xfrm>
         <a:prstGeom prst="line">
@@ -7084,7 +7118,7 @@
       </dsp:nvSpPr>
       <dsp:spPr>
         <a:xfrm>
-          <a:off x="3494878" y="2887625"/>
+          <a:off x="3489314" y="2887625"/>
           <a:ext cx="108297" cy="110175"/>
         </a:xfrm>
         <a:prstGeom prst="ellipse">
@@ -11650,7 +11684,7 @@
           <a:p>
             <a:fld id="{579B9E99-C503-46FF-BA39-A9A967032C6C}" type="datetimeFigureOut">
               <a:rPr lang="en-US"/>
-              <a:t>2/17/2023</a:t>
+              <a:t>2/23/2024</a:t>
             </a:fld>
             <a:endParaRPr lang="en-US"/>
           </a:p>
@@ -12468,7 +12502,7 @@
           <a:p>
             <a:fld id="{846CE7D5-CF57-46EF-B807-FDD0502418D4}" type="datetimeFigureOut">
               <a:rPr lang="en-US" smtClean="0"/>
-              <a:t>2/17/2023</a:t>
+              <a:t>2/23/2024</a:t>
             </a:fld>
             <a:endParaRPr lang="en-US"/>
           </a:p>
@@ -12638,7 +12672,7 @@
           <a:p>
             <a:fld id="{846CE7D5-CF57-46EF-B807-FDD0502418D4}" type="datetimeFigureOut">
               <a:rPr lang="en-US" smtClean="0"/>
-              <a:t>2/17/2023</a:t>
+              <a:t>2/23/2024</a:t>
             </a:fld>
             <a:endParaRPr lang="en-US"/>
           </a:p>
@@ -12818,7 +12852,7 @@
           <a:p>
             <a:fld id="{846CE7D5-CF57-46EF-B807-FDD0502418D4}" type="datetimeFigureOut">
               <a:rPr lang="en-US" smtClean="0"/>
-              <a:t>2/17/2023</a:t>
+              <a:t>2/23/2024</a:t>
             </a:fld>
             <a:endParaRPr lang="en-US"/>
           </a:p>
@@ -12988,7 +13022,7 @@
           <a:p>
             <a:fld id="{846CE7D5-CF57-46EF-B807-FDD0502418D4}" type="datetimeFigureOut">
               <a:rPr lang="en-US" smtClean="0"/>
-              <a:t>2/17/2023</a:t>
+              <a:t>2/23/2024</a:t>
             </a:fld>
             <a:endParaRPr lang="en-US"/>
           </a:p>
@@ -13234,7 +13268,7 @@
           <a:p>
             <a:fld id="{846CE7D5-CF57-46EF-B807-FDD0502418D4}" type="datetimeFigureOut">
               <a:rPr lang="en-US" smtClean="0"/>
-              <a:t>2/17/2023</a:t>
+              <a:t>2/23/2024</a:t>
             </a:fld>
             <a:endParaRPr lang="en-US"/>
           </a:p>
@@ -13466,7 +13500,7 @@
           <a:p>
             <a:fld id="{846CE7D5-CF57-46EF-B807-FDD0502418D4}" type="datetimeFigureOut">
               <a:rPr lang="en-US" smtClean="0"/>
-              <a:t>2/17/2023</a:t>
+              <a:t>2/23/2024</a:t>
             </a:fld>
             <a:endParaRPr lang="en-US"/>
           </a:p>
@@ -13833,7 +13867,7 @@
           <a:p>
             <a:fld id="{846CE7D5-CF57-46EF-B807-FDD0502418D4}" type="datetimeFigureOut">
               <a:rPr lang="en-US" smtClean="0"/>
-              <a:t>2/17/2023</a:t>
+              <a:t>2/23/2024</a:t>
             </a:fld>
             <a:endParaRPr lang="en-US"/>
           </a:p>
@@ -13951,7 +13985,7 @@
           <a:p>
             <a:fld id="{846CE7D5-CF57-46EF-B807-FDD0502418D4}" type="datetimeFigureOut">
               <a:rPr lang="en-US" smtClean="0"/>
-              <a:t>2/17/2023</a:t>
+              <a:t>2/23/2024</a:t>
             </a:fld>
             <a:endParaRPr lang="en-US"/>
           </a:p>
@@ -14046,7 +14080,7 @@
           <a:p>
             <a:fld id="{846CE7D5-CF57-46EF-B807-FDD0502418D4}" type="datetimeFigureOut">
               <a:rPr lang="en-US" smtClean="0"/>
-              <a:t>2/17/2023</a:t>
+              <a:t>2/23/2024</a:t>
             </a:fld>
             <a:endParaRPr lang="en-US"/>
           </a:p>
@@ -14323,7 +14357,7 @@
           <a:p>
             <a:fld id="{846CE7D5-CF57-46EF-B807-FDD0502418D4}" type="datetimeFigureOut">
               <a:rPr lang="en-US" smtClean="0"/>
-              <a:t>2/17/2023</a:t>
+              <a:t>2/23/2024</a:t>
             </a:fld>
             <a:endParaRPr lang="en-US"/>
           </a:p>
@@ -14580,7 +14614,7 @@
           <a:p>
             <a:fld id="{846CE7D5-CF57-46EF-B807-FDD0502418D4}" type="datetimeFigureOut">
               <a:rPr lang="en-US" smtClean="0"/>
-              <a:t>2/17/2023</a:t>
+              <a:t>2/23/2024</a:t>
             </a:fld>
             <a:endParaRPr lang="en-US"/>
           </a:p>
@@ -14793,7 +14827,7 @@
           <a:p>
             <a:fld id="{846CE7D5-CF57-46EF-B807-FDD0502418D4}" type="datetimeFigureOut">
               <a:rPr lang="en-US" smtClean="0"/>
-              <a:t>2/17/2023</a:t>
+              <a:t>2/23/2024</a:t>
             </a:fld>
             <a:endParaRPr lang="en-US"/>
           </a:p>
@@ -17199,7 +17233,7 @@
             <p:ph idx="1"/>
             <p:extLst>
               <p:ext uri="{D42A27DB-BD31-4B8C-83A1-F6EECF244321}">
-                <p14:modId xmlns:p14="http://schemas.microsoft.com/office/powerpoint/2010/main" val="1108844055"/>
+                <p14:modId xmlns:p14="http://schemas.microsoft.com/office/powerpoint/2010/main" val="2871555792"/>
               </p:ext>
             </p:extLst>
           </p:nvPr>
@@ -17718,10 +17752,7 @@
     <p:bg>
       <p:bgPr>
         <a:solidFill>
-          <a:schemeClr val="bg1">
-            <a:tint val="95000"/>
-            <a:satMod val="170000"/>
-          </a:schemeClr>
+          <a:schemeClr val="bg1"/>
         </a:solidFill>
         <a:effectLst/>
       </p:bgPr>
@@ -17740,47 +17771,12 @@
           <a:chExt cx="0" cy="0"/>
         </a:xfrm>
       </p:grpSpPr>
-      <p:sp>
+      <p:sp useBgFill="1">
         <p:nvSpPr>
-          <p:cNvPr id="2" name="Title 1">
+          <p:cNvPr id="1031" name="Rectangle 1030">
             <a:extLst>
               <a:ext uri="{FF2B5EF4-FFF2-40B4-BE49-F238E27FC236}">
-                <a16:creationId xmlns:a16="http://schemas.microsoft.com/office/drawing/2014/main" id="{D48696E0-6D04-47A2-A65F-36B9627066EE}"/>
-              </a:ext>
-            </a:extLst>
-          </p:cNvPr>
-          <p:cNvSpPr>
-            <a:spLocks noGrp="1"/>
-          </p:cNvSpPr>
-          <p:nvPr>
-            <p:ph type="title"/>
-          </p:nvPr>
-        </p:nvSpPr>
-        <p:spPr>
-          <a:xfrm>
-            <a:off x="6979314" y="1396289"/>
-            <a:ext cx="4375586" cy="1325563"/>
-          </a:xfrm>
-        </p:spPr>
-        <p:txBody>
-          <a:bodyPr>
-            <a:normAutofit/>
-          </a:bodyPr>
-          <a:lstStyle/>
-          <a:p>
-            <a:r>
-              <a:rPr lang="en-IE" dirty="0"/>
-              <a:t>Possible Theme: Energy Use</a:t>
-            </a:r>
-          </a:p>
-        </p:txBody>
-      </p:sp>
-      <p:sp>
-        <p:nvSpPr>
-          <p:cNvPr id="1064" name="Freeform: Shape 1063">
-            <a:extLst>
-              <a:ext uri="{FF2B5EF4-FFF2-40B4-BE49-F238E27FC236}">
-                <a16:creationId xmlns:a16="http://schemas.microsoft.com/office/drawing/2014/main" id="{0ED52484-C939-4951-85D6-79046BBC644D}"/>
+                <a16:creationId xmlns:a16="http://schemas.microsoft.com/office/drawing/2014/main" id="{058A14AF-9FB5-4CC7-BA35-E8E85D3EDF0E}"/>
               </a:ext>
               <a:ext uri="{C183D7F6-B498-43B3-948B-1728B52AA6E4}">
                 <adec:decorative xmlns:adec="http://schemas.microsoft.com/office/drawing/2017/decorative" val="1"/>
@@ -17800,90 +17796,12 @@
         </p:nvSpPr>
         <p:spPr>
           <a:xfrm>
-            <a:off x="1" y="0"/>
-            <a:ext cx="4067397" cy="3481744"/>
+            <a:off x="0" y="0"/>
+            <a:ext cx="12191999" cy="6857365"/>
           </a:xfrm>
-          <a:custGeom>
+          <a:prstGeom prst="rect">
             <a:avLst/>
-            <a:gdLst>
-              <a:gd name="connsiteX0" fmla="*/ 0 w 4067397"/>
-              <a:gd name="connsiteY0" fmla="*/ 0 h 3481744"/>
-              <a:gd name="connsiteX1" fmla="*/ 3741230 w 4067397"/>
-              <a:gd name="connsiteY1" fmla="*/ 0 h 3481744"/>
-              <a:gd name="connsiteX2" fmla="*/ 3789282 w 4067397"/>
-              <a:gd name="connsiteY2" fmla="*/ 79096 h 3481744"/>
-              <a:gd name="connsiteX3" fmla="*/ 4067397 w 4067397"/>
-              <a:gd name="connsiteY3" fmla="*/ 1177456 h 3481744"/>
-              <a:gd name="connsiteX4" fmla="*/ 1763109 w 4067397"/>
-              <a:gd name="connsiteY4" fmla="*/ 3481744 h 3481744"/>
-              <a:gd name="connsiteX5" fmla="*/ 133731 w 4067397"/>
-              <a:gd name="connsiteY5" fmla="*/ 2806834 h 3481744"/>
-              <a:gd name="connsiteX6" fmla="*/ 0 w 4067397"/>
-              <a:gd name="connsiteY6" fmla="*/ 2659692 h 3481744"/>
-            </a:gdLst>
-            <a:ahLst/>
-            <a:cxnLst>
-              <a:cxn ang="0">
-                <a:pos x="connsiteX0" y="connsiteY0"/>
-              </a:cxn>
-              <a:cxn ang="0">
-                <a:pos x="connsiteX1" y="connsiteY1"/>
-              </a:cxn>
-              <a:cxn ang="0">
-                <a:pos x="connsiteX2" y="connsiteY2"/>
-              </a:cxn>
-              <a:cxn ang="0">
-                <a:pos x="connsiteX3" y="connsiteY3"/>
-              </a:cxn>
-              <a:cxn ang="0">
-                <a:pos x="connsiteX4" y="connsiteY4"/>
-              </a:cxn>
-              <a:cxn ang="0">
-                <a:pos x="connsiteX5" y="connsiteY5"/>
-              </a:cxn>
-              <a:cxn ang="0">
-                <a:pos x="connsiteX6" y="connsiteY6"/>
-              </a:cxn>
-            </a:cxnLst>
-            <a:rect l="l" t="t" r="r" b="b"/>
-            <a:pathLst>
-              <a:path w="4067397" h="3481744">
-                <a:moveTo>
-                  <a:pt x="0" y="0"/>
-                </a:moveTo>
-                <a:lnTo>
-                  <a:pt x="3741230" y="0"/>
-                </a:lnTo>
-                <a:lnTo>
-                  <a:pt x="3789282" y="79096"/>
-                </a:lnTo>
-                <a:cubicBezTo>
-                  <a:pt x="3966649" y="405598"/>
-                  <a:pt x="4067397" y="779761"/>
-                  <a:pt x="4067397" y="1177456"/>
-                </a:cubicBezTo>
-                <a:cubicBezTo>
-                  <a:pt x="4067397" y="2450079"/>
-                  <a:pt x="3035732" y="3481744"/>
-                  <a:pt x="1763109" y="3481744"/>
-                </a:cubicBezTo>
-                <a:cubicBezTo>
-                  <a:pt x="1126798" y="3481744"/>
-                  <a:pt x="550726" y="3223828"/>
-                  <a:pt x="133731" y="2806834"/>
-                </a:cubicBezTo>
-                <a:lnTo>
-                  <a:pt x="0" y="2659692"/>
-                </a:lnTo>
-                <a:close/>
-              </a:path>
-            </a:pathLst>
-          </a:custGeom>
-          <a:solidFill>
-            <a:srgbClr val="FFFFFF">
-              <a:alpha val="80000"/>
-            </a:srgbClr>
-          </a:solidFill>
+          </a:prstGeom>
           <a:ln>
             <a:noFill/>
           </a:ln>
@@ -17905,51 +17823,55 @@
           </a:fontRef>
         </p:style>
         <p:txBody>
-          <a:bodyPr wrap="square" rtlCol="0" anchor="ctr">
-            <a:noAutofit/>
-          </a:bodyPr>
+          <a:bodyPr rtlCol="0" anchor="ctr"/>
           <a:lstStyle/>
           <a:p>
-            <a:pPr marL="0" marR="0" lvl="0" indent="0" algn="ctr" defTabSz="914400" rtl="0" eaLnBrk="1" fontAlgn="auto" latinLnBrk="0" hangingPunct="1">
-              <a:lnSpc>
-                <a:spcPct val="100000"/>
-              </a:lnSpc>
-              <a:spcBef>
-                <a:spcPts val="0"/>
-              </a:spcBef>
-              <a:spcAft>
-                <a:spcPts val="0"/>
-              </a:spcAft>
-              <a:buClrTx/>
-              <a:buSzTx/>
-              <a:buFontTx/>
-              <a:buNone/>
-              <a:tabLst/>
-              <a:defRPr/>
-            </a:pPr>
-            <a:endParaRPr kumimoji="0" lang="en-US" sz="1800" b="0" i="0" u="none" strike="noStrike" kern="1200" cap="none" spc="0" normalizeH="0" baseline="0" noProof="0">
-              <a:ln>
-                <a:noFill/>
-              </a:ln>
-              <a:solidFill>
-                <a:prstClr val="white"/>
-              </a:solidFill>
-              <a:effectLst/>
-              <a:uLnTx/>
-              <a:uFillTx/>
-              <a:latin typeface="Calibri" panose="020F0502020204030204"/>
-              <a:ea typeface="+mn-ea"/>
-              <a:cs typeface="+mn-cs"/>
-            </a:endParaRPr>
+            <a:pPr algn="ctr"/>
+            <a:endParaRPr lang="en-US"/>
           </a:p>
         </p:txBody>
       </p:sp>
       <p:sp>
         <p:nvSpPr>
-          <p:cNvPr id="1066" name="Oval 1065">
+          <p:cNvPr id="2" name="Title 1">
             <a:extLst>
               <a:ext uri="{FF2B5EF4-FFF2-40B4-BE49-F238E27FC236}">
-                <a16:creationId xmlns:a16="http://schemas.microsoft.com/office/drawing/2014/main" id="{123AC743-1CAC-4594-8F81-8E5C1E45BA7B}"/>
+                <a16:creationId xmlns:a16="http://schemas.microsoft.com/office/drawing/2014/main" id="{A49E7E3E-563E-F25B-748B-709E002B0023}"/>
+              </a:ext>
+            </a:extLst>
+          </p:cNvPr>
+          <p:cNvSpPr>
+            <a:spLocks noGrp="1"/>
+          </p:cNvSpPr>
+          <p:nvPr>
+            <p:ph type="title"/>
+          </p:nvPr>
+        </p:nvSpPr>
+        <p:spPr>
+          <a:xfrm>
+            <a:off x="793662" y="386930"/>
+            <a:ext cx="10066122" cy="1298448"/>
+          </a:xfrm>
+        </p:spPr>
+        <p:txBody>
+          <a:bodyPr anchor="b">
+            <a:normAutofit/>
+          </a:bodyPr>
+          <a:lstStyle/>
+          <a:p>
+            <a:r>
+              <a:rPr lang="en-IE" sz="4800"/>
+              <a:t>Possible Projects: Smart Device Creation</a:t>
+            </a:r>
+          </a:p>
+        </p:txBody>
+      </p:sp>
+      <p:sp>
+        <p:nvSpPr>
+          <p:cNvPr id="1033" name="Rectangle 1032">
+            <a:extLst>
+              <a:ext uri="{FF2B5EF4-FFF2-40B4-BE49-F238E27FC236}">
+                <a16:creationId xmlns:a16="http://schemas.microsoft.com/office/drawing/2014/main" id="{3A9A4357-BD1D-4622-A4FE-766E6AB8DE84}"/>
               </a:ext>
               <a:ext uri="{C183D7F6-B498-43B3-948B-1728B52AA6E4}">
                 <adec:decorative xmlns:adec="http://schemas.microsoft.com/office/drawing/2017/decorative" val="1"/>
@@ -17968,17 +17890,15 @@
           </p:nvPr>
         </p:nvSpPr>
         <p:spPr>
-          <a:xfrm>
-            <a:off x="4535804" y="452999"/>
-            <a:ext cx="2020824" cy="2020824"/>
+          <a:xfrm flipH="1" flipV="1">
+            <a:off x="-2" y="1998845"/>
+            <a:ext cx="11454595" cy="781699"/>
           </a:xfrm>
-          <a:prstGeom prst="ellipse">
+          <a:prstGeom prst="rect">
             <a:avLst/>
           </a:prstGeom>
           <a:solidFill>
-            <a:srgbClr val="FFFFFF">
-              <a:alpha val="80000"/>
-            </a:srgbClr>
+            <a:schemeClr val="accent4"/>
           </a:solidFill>
           <a:ln>
             <a:noFill/>
@@ -18004,123 +17924,17 @@
           <a:bodyPr rtlCol="0" anchor="ctr"/>
           <a:lstStyle/>
           <a:p>
-            <a:pPr marL="0" marR="0" lvl="0" indent="0" algn="ctr" defTabSz="914400" rtl="0" eaLnBrk="1" fontAlgn="auto" latinLnBrk="0" hangingPunct="1">
-              <a:lnSpc>
-                <a:spcPct val="100000"/>
-              </a:lnSpc>
-              <a:spcBef>
-                <a:spcPts val="0"/>
-              </a:spcBef>
-              <a:spcAft>
-                <a:spcPts val="0"/>
-              </a:spcAft>
-              <a:buClrTx/>
-              <a:buSzTx/>
-              <a:buFontTx/>
-              <a:buNone/>
-              <a:tabLst/>
-              <a:defRPr/>
-            </a:pPr>
-            <a:endParaRPr kumimoji="0" lang="en-US" sz="1800" b="0" i="0" u="none" strike="noStrike" kern="1200" cap="none" spc="0" normalizeH="0" baseline="0" noProof="0">
-              <a:ln>
-                <a:noFill/>
-              </a:ln>
-              <a:solidFill>
-                <a:prstClr val="white"/>
-              </a:solidFill>
-              <a:effectLst/>
-              <a:uLnTx/>
-              <a:uFillTx/>
-              <a:latin typeface="Calibri" panose="020F0502020204030204"/>
-              <a:ea typeface="+mn-ea"/>
-              <a:cs typeface="+mn-cs"/>
-            </a:endParaRPr>
+            <a:pPr algn="ctr"/>
+            <a:endParaRPr lang="en-US"/>
           </a:p>
         </p:txBody>
       </p:sp>
-      <p:pic>
-        <p:nvPicPr>
-          <p:cNvPr id="1030" name="Picture 6" descr="Heatmiser neoStat Programmable Thermostat">
+      <p:sp>
+        <p:nvSpPr>
+          <p:cNvPr id="1035" name="Rectangle 1034">
             <a:extLst>
               <a:ext uri="{FF2B5EF4-FFF2-40B4-BE49-F238E27FC236}">
-                <a16:creationId xmlns:a16="http://schemas.microsoft.com/office/drawing/2014/main" id="{6687E303-C3A9-5952-7C1B-ABB2B3D716F8}"/>
-              </a:ext>
-            </a:extLst>
-          </p:cNvPr>
-          <p:cNvPicPr>
-            <a:picLocks noChangeAspect="1" noChangeArrowheads="1"/>
-          </p:cNvPicPr>
-          <p:nvPr/>
-        </p:nvPicPr>
-        <p:blipFill rotWithShape="1">
-          <a:blip r:embed="rId2" cstate="print">
-            <a:extLst>
-              <a:ext uri="{28A0092B-C50C-407E-A947-70E740481C1C}">
-                <a14:useLocalDpi xmlns:a14="http://schemas.microsoft.com/office/drawing/2010/main" val="0"/>
-              </a:ext>
-            </a:extLst>
-          </a:blip>
-          <a:srcRect r="-2" b="-2"/>
-          <a:stretch/>
-        </p:blipFill>
-        <p:spPr bwMode="auto">
-          <a:xfrm>
-            <a:off x="4700396" y="617591"/>
-            <a:ext cx="1691640" cy="1691640"/>
-          </a:xfrm>
-          <a:custGeom>
-            <a:avLst/>
-            <a:gdLst/>
-            <a:ahLst/>
-            <a:cxnLst/>
-            <a:rect l="l" t="t" r="r" b="b"/>
-            <a:pathLst>
-              <a:path w="1645920" h="1645920">
-                <a:moveTo>
-                  <a:pt x="822960" y="0"/>
-                </a:moveTo>
-                <a:cubicBezTo>
-                  <a:pt x="1277468" y="0"/>
-                  <a:pt x="1645920" y="368452"/>
-                  <a:pt x="1645920" y="822960"/>
-                </a:cubicBezTo>
-                <a:cubicBezTo>
-                  <a:pt x="1645920" y="1277468"/>
-                  <a:pt x="1277468" y="1645920"/>
-                  <a:pt x="822960" y="1645920"/>
-                </a:cubicBezTo>
-                <a:cubicBezTo>
-                  <a:pt x="368452" y="1645920"/>
-                  <a:pt x="0" y="1277468"/>
-                  <a:pt x="0" y="822960"/>
-                </a:cubicBezTo>
-                <a:cubicBezTo>
-                  <a:pt x="0" y="368452"/>
-                  <a:pt x="368452" y="0"/>
-                  <a:pt x="822960" y="0"/>
-                </a:cubicBezTo>
-                <a:close/>
-              </a:path>
-            </a:pathLst>
-          </a:custGeom>
-          <a:noFill/>
-          <a:extLst>
-            <a:ext uri="{909E8E84-426E-40DD-AFC4-6F175D3DCCD1}">
-              <a14:hiddenFill xmlns:a14="http://schemas.microsoft.com/office/drawing/2010/main">
-                <a:solidFill>
-                  <a:srgbClr val="FFFFFF"/>
-                </a:solidFill>
-              </a14:hiddenFill>
-            </a:ext>
-          </a:extLst>
-        </p:spPr>
-      </p:pic>
-      <p:sp>
-        <p:nvSpPr>
-          <p:cNvPr id="1068" name="Freeform: Shape 1067">
-            <a:extLst>
-              <a:ext uri="{FF2B5EF4-FFF2-40B4-BE49-F238E27FC236}">
-                <a16:creationId xmlns:a16="http://schemas.microsoft.com/office/drawing/2014/main" id="{3DF8EA8C-4EAB-49EE-BBAB-78BE910D2232}"/>
+                <a16:creationId xmlns:a16="http://schemas.microsoft.com/office/drawing/2014/main" id="{E659831F-0D9A-4C63-9EBB-8435B85A440F}"/>
               </a:ext>
               <a:ext uri="{C183D7F6-B498-43B3-948B-1728B52AA6E4}">
                 <adec:decorative xmlns:adec="http://schemas.microsoft.com/office/drawing/2017/decorative" val="1"/>
@@ -18140,101 +17954,25 @@
         </p:nvSpPr>
         <p:spPr>
           <a:xfrm>
-            <a:off x="-1" y="4041056"/>
-            <a:ext cx="3216344" cy="2816945"/>
+            <a:off x="0" y="2203079"/>
+            <a:ext cx="11383362" cy="4267991"/>
           </a:xfrm>
-          <a:custGeom>
+          <a:prstGeom prst="rect">
             <a:avLst/>
-            <a:gdLst>
-              <a:gd name="connsiteX0" fmla="*/ 1360112 w 3216344"/>
-              <a:gd name="connsiteY0" fmla="*/ 0 h 2816945"/>
-              <a:gd name="connsiteX1" fmla="*/ 3216344 w 3216344"/>
-              <a:gd name="connsiteY1" fmla="*/ 1856232 h 2816945"/>
-              <a:gd name="connsiteX2" fmla="*/ 2992307 w 3216344"/>
-              <a:gd name="connsiteY2" fmla="*/ 2741023 h 2816945"/>
-              <a:gd name="connsiteX3" fmla="*/ 2946183 w 3216344"/>
-              <a:gd name="connsiteY3" fmla="*/ 2816945 h 2816945"/>
-              <a:gd name="connsiteX4" fmla="*/ 0 w 3216344"/>
-              <a:gd name="connsiteY4" fmla="*/ 2816945 h 2816945"/>
-              <a:gd name="connsiteX5" fmla="*/ 0 w 3216344"/>
-              <a:gd name="connsiteY5" fmla="*/ 596005 h 2816945"/>
-              <a:gd name="connsiteX6" fmla="*/ 47558 w 3216344"/>
-              <a:gd name="connsiteY6" fmla="*/ 543678 h 2816945"/>
-              <a:gd name="connsiteX7" fmla="*/ 1360112 w 3216344"/>
-              <a:gd name="connsiteY7" fmla="*/ 0 h 2816945"/>
-            </a:gdLst>
-            <a:ahLst/>
-            <a:cxnLst>
-              <a:cxn ang="0">
-                <a:pos x="connsiteX0" y="connsiteY0"/>
-              </a:cxn>
-              <a:cxn ang="0">
-                <a:pos x="connsiteX1" y="connsiteY1"/>
-              </a:cxn>
-              <a:cxn ang="0">
-                <a:pos x="connsiteX2" y="connsiteY2"/>
-              </a:cxn>
-              <a:cxn ang="0">
-                <a:pos x="connsiteX3" y="connsiteY3"/>
-              </a:cxn>
-              <a:cxn ang="0">
-                <a:pos x="connsiteX4" y="connsiteY4"/>
-              </a:cxn>
-              <a:cxn ang="0">
-                <a:pos x="connsiteX5" y="connsiteY5"/>
-              </a:cxn>
-              <a:cxn ang="0">
-                <a:pos x="connsiteX6" y="connsiteY6"/>
-              </a:cxn>
-              <a:cxn ang="0">
-                <a:pos x="connsiteX7" y="connsiteY7"/>
-              </a:cxn>
-            </a:cxnLst>
-            <a:rect l="l" t="t" r="r" b="b"/>
-            <a:pathLst>
-              <a:path w="3216344" h="2816945">
-                <a:moveTo>
-                  <a:pt x="1360112" y="0"/>
-                </a:moveTo>
-                <a:cubicBezTo>
-                  <a:pt x="2385281" y="0"/>
-                  <a:pt x="3216344" y="831063"/>
-                  <a:pt x="3216344" y="1856232"/>
-                </a:cubicBezTo>
-                <a:cubicBezTo>
-                  <a:pt x="3216344" y="2176598"/>
-                  <a:pt x="3135186" y="2478007"/>
-                  <a:pt x="2992307" y="2741023"/>
-                </a:cubicBezTo>
-                <a:lnTo>
-                  <a:pt x="2946183" y="2816945"/>
-                </a:lnTo>
-                <a:lnTo>
-                  <a:pt x="0" y="2816945"/>
-                </a:lnTo>
-                <a:lnTo>
-                  <a:pt x="0" y="596005"/>
-                </a:lnTo>
-                <a:lnTo>
-                  <a:pt x="47558" y="543678"/>
-                </a:lnTo>
-                <a:cubicBezTo>
-                  <a:pt x="383470" y="207766"/>
-                  <a:pt x="847528" y="0"/>
-                  <a:pt x="1360112" y="0"/>
-                </a:cubicBezTo>
-                <a:close/>
-              </a:path>
-            </a:pathLst>
-          </a:custGeom>
+          </a:prstGeom>
           <a:solidFill>
-            <a:srgbClr val="FFFFFF">
-              <a:alpha val="80000"/>
-            </a:srgbClr>
+            <a:schemeClr val="bg1"/>
           </a:solidFill>
           <a:ln>
             <a:noFill/>
           </a:ln>
+          <a:effectLst>
+            <a:outerShdw blurRad="139700" dist="127000" dir="5400000" algn="t" rotWithShape="0">
+              <a:prstClr val="black">
+                <a:alpha val="15000"/>
+              </a:prstClr>
+            </a:outerShdw>
+          </a:effectLst>
         </p:spPr>
         <p:style>
           <a:lnRef idx="2">
@@ -18253,51 +17991,113 @@
           </a:fontRef>
         </p:style>
         <p:txBody>
-          <a:bodyPr wrap="square" rtlCol="0" anchor="ctr">
-            <a:noAutofit/>
-          </a:bodyPr>
+          <a:bodyPr rtlCol="0" anchor="ctr"/>
           <a:lstStyle/>
           <a:p>
-            <a:pPr marL="0" marR="0" lvl="0" indent="0" algn="ctr" defTabSz="914400" rtl="0" eaLnBrk="1" fontAlgn="auto" latinLnBrk="0" hangingPunct="1">
-              <a:lnSpc>
-                <a:spcPct val="100000"/>
-              </a:lnSpc>
-              <a:spcBef>
-                <a:spcPts val="0"/>
-              </a:spcBef>
-              <a:spcAft>
-                <a:spcPts val="0"/>
-              </a:spcAft>
-              <a:buClrTx/>
-              <a:buSzTx/>
-              <a:buFontTx/>
-              <a:buNone/>
-              <a:tabLst/>
-              <a:defRPr/>
-            </a:pPr>
-            <a:endParaRPr kumimoji="0" lang="en-US" sz="1800" b="0" i="0" u="none" strike="noStrike" kern="1200" cap="none" spc="0" normalizeH="0" baseline="0" noProof="0">
-              <a:ln>
-                <a:noFill/>
-              </a:ln>
-              <a:solidFill>
-                <a:prstClr val="white"/>
-              </a:solidFill>
-              <a:effectLst/>
-              <a:uLnTx/>
-              <a:uFillTx/>
-              <a:latin typeface="Calibri" panose="020F0502020204030204"/>
-              <a:ea typeface="+mn-ea"/>
-              <a:cs typeface="+mn-cs"/>
-            </a:endParaRPr>
+            <a:pPr algn="ctr"/>
+            <a:endParaRPr lang="en-US"/>
           </a:p>
         </p:txBody>
       </p:sp>
       <p:sp>
         <p:nvSpPr>
-          <p:cNvPr id="1070" name="Oval 1069">
+          <p:cNvPr id="3" name="Content Placeholder 2">
             <a:extLst>
               <a:ext uri="{FF2B5EF4-FFF2-40B4-BE49-F238E27FC236}">
-                <a16:creationId xmlns:a16="http://schemas.microsoft.com/office/drawing/2014/main" id="{9973AF05-1CBD-4B57-BB0F-EAEF9F8FB679}"/>
+                <a16:creationId xmlns:a16="http://schemas.microsoft.com/office/drawing/2014/main" id="{3FACF02F-1212-9D20-6919-122A2CD54F7C}"/>
+              </a:ext>
+            </a:extLst>
+          </p:cNvPr>
+          <p:cNvSpPr>
+            <a:spLocks noGrp="1"/>
+          </p:cNvSpPr>
+          <p:nvPr>
+            <p:ph idx="1"/>
+          </p:nvPr>
+        </p:nvSpPr>
+        <p:spPr>
+          <a:xfrm>
+            <a:off x="793661" y="2599509"/>
+            <a:ext cx="4530898" cy="3639450"/>
+          </a:xfrm>
+        </p:spPr>
+        <p:txBody>
+          <a:bodyPr anchor="ctr">
+            <a:normAutofit/>
+          </a:bodyPr>
+          <a:lstStyle/>
+          <a:p>
+            <a:r>
+              <a:rPr lang="en-GB" sz="2000" b="0" i="0">
+                <a:effectLst/>
+                <a:latin typeface="Söhne"/>
+              </a:rPr>
+              <a:t>Turn a device into a “connected” device.</a:t>
+            </a:r>
+          </a:p>
+          <a:p>
+            <a:r>
+              <a:rPr lang="en-GB" sz="2000">
+                <a:latin typeface="Söhne"/>
+              </a:rPr>
+              <a:t>Control it from your mobile phone.</a:t>
+            </a:r>
+            <a:endParaRPr lang="en-IE" sz="2000"/>
+          </a:p>
+        </p:txBody>
+      </p:sp>
+      <p:pic>
+        <p:nvPicPr>
+          <p:cNvPr id="1026" name="Picture 2" descr="Tutorial Iot Cara Kontrol Relay Menggunakan Nodemcu Esp8266 Dan ...">
+            <a:extLst>
+              <a:ext uri="{FF2B5EF4-FFF2-40B4-BE49-F238E27FC236}">
+                <a16:creationId xmlns:a16="http://schemas.microsoft.com/office/drawing/2014/main" id="{F70FB104-940D-4E9B-9B67-11910E717A18}"/>
+              </a:ext>
+            </a:extLst>
+          </p:cNvPr>
+          <p:cNvPicPr>
+            <a:picLocks noChangeAspect="1" noChangeArrowheads="1"/>
+          </p:cNvPicPr>
+          <p:nvPr/>
+        </p:nvPicPr>
+        <p:blipFill>
+          <a:blip r:embed="rId2" cstate="print">
+            <a:extLst>
+              <a:ext uri="{28A0092B-C50C-407E-A947-70E740481C1C}">
+                <a14:useLocalDpi xmlns:a14="http://schemas.microsoft.com/office/drawing/2010/main" val="0"/>
+              </a:ext>
+            </a:extLst>
+          </a:blip>
+          <a:stretch>
+            <a:fillRect/>
+          </a:stretch>
+        </p:blipFill>
+        <p:spPr bwMode="auto">
+          <a:xfrm>
+            <a:off x="6128419" y="2484255"/>
+            <a:ext cx="4716502" cy="3714244"/>
+          </a:xfrm>
+          <a:prstGeom prst="rect">
+            <a:avLst/>
+          </a:prstGeom>
+          <a:noFill/>
+          <a:extLst>
+            <a:ext uri="{909E8E84-426E-40DD-AFC4-6F175D3DCCD1}">
+              <a14:hiddenFill xmlns:a14="http://schemas.microsoft.com/office/drawing/2010/main">
+                <a:solidFill>
+                  <a:srgbClr val="FFFFFF"/>
+                </a:solidFill>
+              </a14:hiddenFill>
+            </a:ext>
+          </a:extLst>
+        </p:spPr>
+      </p:pic>
+      <p:sp>
+        <p:nvSpPr>
+          <p:cNvPr id="1037" name="Rectangle 1036">
+            <a:extLst>
+              <a:ext uri="{FF2B5EF4-FFF2-40B4-BE49-F238E27FC236}">
+                <a16:creationId xmlns:a16="http://schemas.microsoft.com/office/drawing/2014/main" id="{E6995CE5-F890-4ABA-82A2-26507CE8D2A3}"/>
               </a:ext>
               <a:ext uri="{C183D7F6-B498-43B3-948B-1728B52AA6E4}">
                 <adec:decorative xmlns:adec="http://schemas.microsoft.com/office/drawing/2017/decorative" val="1"/>
@@ -18316,17 +18116,15 @@
           </p:nvPr>
         </p:nvSpPr>
         <p:spPr>
-          <a:xfrm>
-            <a:off x="3380935" y="2871982"/>
-            <a:ext cx="2834640" cy="2834640"/>
+          <a:xfrm rot="5400000">
+            <a:off x="11228040" y="2313027"/>
+            <a:ext cx="781700" cy="152382"/>
           </a:xfrm>
-          <a:prstGeom prst="ellipse">
+          <a:prstGeom prst="rect">
             <a:avLst/>
           </a:prstGeom>
           <a:solidFill>
-            <a:srgbClr val="FFFFFF">
-              <a:alpha val="80000"/>
-            </a:srgbClr>
+            <a:schemeClr val="accent4"/>
           </a:solidFill>
           <a:ln>
             <a:noFill/>
@@ -18352,46 +18150,335 @@
           <a:bodyPr rtlCol="0" anchor="ctr"/>
           <a:lstStyle/>
           <a:p>
-            <a:pPr marL="0" marR="0" lvl="0" indent="0" algn="ctr" defTabSz="914400" rtl="0" eaLnBrk="1" fontAlgn="auto" latinLnBrk="0" hangingPunct="1">
-              <a:lnSpc>
-                <a:spcPct val="100000"/>
-              </a:lnSpc>
-              <a:spcBef>
-                <a:spcPts val="0"/>
-              </a:spcBef>
-              <a:spcAft>
-                <a:spcPts val="0"/>
-              </a:spcAft>
-              <a:buClrTx/>
-              <a:buSzTx/>
-              <a:buFontTx/>
+            <a:pPr algn="ctr"/>
+            <a:endParaRPr lang="en-US"/>
+          </a:p>
+        </p:txBody>
+      </p:sp>
+    </p:spTree>
+    <p:extLst>
+      <p:ext uri="{BB962C8B-B14F-4D97-AF65-F5344CB8AC3E}">
+        <p14:creationId xmlns:p14="http://schemas.microsoft.com/office/powerpoint/2010/main" val="2215422235"/>
+      </p:ext>
+    </p:extLst>
+  </p:cSld>
+  <p:clrMapOvr>
+    <a:masterClrMapping/>
+  </p:clrMapOvr>
+</p:sld>
+</file>
+
+<file path=ppt/slides/slide7.xml><?xml version="1.0" encoding="utf-8"?>
+<p:sld xmlns:a="http://schemas.openxmlformats.org/drawingml/2006/main" xmlns:r="http://schemas.openxmlformats.org/officeDocument/2006/relationships" xmlns:p="http://schemas.openxmlformats.org/presentationml/2006/main">
+  <p:cSld>
+    <p:bg>
+      <p:bgPr>
+        <a:solidFill>
+          <a:schemeClr val="bg1"/>
+        </a:solidFill>
+        <a:effectLst/>
+      </p:bgPr>
+    </p:bg>
+    <p:spTree>
+      <p:nvGrpSpPr>
+        <p:cNvPr id="1" name=""/>
+        <p:cNvGrpSpPr/>
+        <p:nvPr/>
+      </p:nvGrpSpPr>
+      <p:grpSpPr>
+        <a:xfrm>
+          <a:off x="0" y="0"/>
+          <a:ext cx="0" cy="0"/>
+          <a:chOff x="0" y="0"/>
+          <a:chExt cx="0" cy="0"/>
+        </a:xfrm>
+      </p:grpSpPr>
+      <p:sp useBgFill="1">
+        <p:nvSpPr>
+          <p:cNvPr id="2055" name="Rectangle 2054">
+            <a:extLst>
+              <a:ext uri="{FF2B5EF4-FFF2-40B4-BE49-F238E27FC236}">
+                <a16:creationId xmlns:a16="http://schemas.microsoft.com/office/drawing/2014/main" id="{058A14AF-9FB5-4CC7-BA35-E8E85D3EDF0E}"/>
+              </a:ext>
+              <a:ext uri="{C183D7F6-B498-43B3-948B-1728B52AA6E4}">
+                <adec:decorative xmlns:adec="http://schemas.microsoft.com/office/drawing/2017/decorative" val="1"/>
+              </a:ext>
+            </a:extLst>
+          </p:cNvPr>
+          <p:cNvSpPr>
+            <a:spLocks noGrp="1" noRot="1" noChangeAspect="1" noMove="1" noResize="1" noEditPoints="1" noAdjustHandles="1" noChangeArrowheads="1" noChangeShapeType="1" noTextEdit="1"/>
+          </p:cNvSpPr>
+          <p:nvPr>
+            <p:extLst>
+              <p:ext uri="{386F3935-93C4-4BCD-93E2-E3B085C9AB24}">
+                <p16:designElem xmlns:p16="http://schemas.microsoft.com/office/powerpoint/2015/main" val="1"/>
+              </p:ext>
+            </p:extLst>
+          </p:nvPr>
+        </p:nvSpPr>
+        <p:spPr>
+          <a:xfrm>
+            <a:off x="0" y="0"/>
+            <a:ext cx="12191999" cy="6857365"/>
+          </a:xfrm>
+          <a:prstGeom prst="rect">
+            <a:avLst/>
+          </a:prstGeom>
+          <a:ln>
+            <a:noFill/>
+          </a:ln>
+        </p:spPr>
+        <p:style>
+          <a:lnRef idx="2">
+            <a:schemeClr val="accent1">
+              <a:shade val="50000"/>
+            </a:schemeClr>
+          </a:lnRef>
+          <a:fillRef idx="1">
+            <a:schemeClr val="accent1"/>
+          </a:fillRef>
+          <a:effectRef idx="0">
+            <a:schemeClr val="accent1"/>
+          </a:effectRef>
+          <a:fontRef idx="minor">
+            <a:schemeClr val="lt1"/>
+          </a:fontRef>
+        </p:style>
+        <p:txBody>
+          <a:bodyPr rtlCol="0" anchor="ctr"/>
+          <a:lstStyle/>
+          <a:p>
+            <a:pPr algn="ctr"/>
+            <a:endParaRPr lang="en-US"/>
+          </a:p>
+        </p:txBody>
+      </p:sp>
+      <p:sp>
+        <p:nvSpPr>
+          <p:cNvPr id="2" name="Title 1">
+            <a:extLst>
+              <a:ext uri="{FF2B5EF4-FFF2-40B4-BE49-F238E27FC236}">
+                <a16:creationId xmlns:a16="http://schemas.microsoft.com/office/drawing/2014/main" id="{2F594CD7-5A97-BA70-FDFD-D5072F913569}"/>
+              </a:ext>
+            </a:extLst>
+          </p:cNvPr>
+          <p:cNvSpPr>
+            <a:spLocks noGrp="1"/>
+          </p:cNvSpPr>
+          <p:nvPr>
+            <p:ph type="title"/>
+          </p:nvPr>
+        </p:nvSpPr>
+        <p:spPr>
+          <a:xfrm>
+            <a:off x="793662" y="386930"/>
+            <a:ext cx="10066122" cy="1298448"/>
+          </a:xfrm>
+        </p:spPr>
+        <p:txBody>
+          <a:bodyPr anchor="b">
+            <a:normAutofit/>
+          </a:bodyPr>
+          <a:lstStyle/>
+          <a:p>
+            <a:r>
+              <a:rPr lang="en-IE" dirty="0"/>
+              <a:t>Possible Projects: </a:t>
+            </a:r>
+            <a:r>
+              <a:rPr lang="en-GB" dirty="0"/>
+              <a:t>Plant Monitoring and Watering System</a:t>
+            </a:r>
+            <a:endParaRPr lang="en-IE" dirty="0"/>
+          </a:p>
+        </p:txBody>
+      </p:sp>
+      <p:sp>
+        <p:nvSpPr>
+          <p:cNvPr id="2057" name="Rectangle 2056">
+            <a:extLst>
+              <a:ext uri="{FF2B5EF4-FFF2-40B4-BE49-F238E27FC236}">
+                <a16:creationId xmlns:a16="http://schemas.microsoft.com/office/drawing/2014/main" id="{3A9A4357-BD1D-4622-A4FE-766E6AB8DE84}"/>
+              </a:ext>
+              <a:ext uri="{C183D7F6-B498-43B3-948B-1728B52AA6E4}">
+                <adec:decorative xmlns:adec="http://schemas.microsoft.com/office/drawing/2017/decorative" val="1"/>
+              </a:ext>
+            </a:extLst>
+          </p:cNvPr>
+          <p:cNvSpPr>
+            <a:spLocks noGrp="1" noRot="1" noChangeAspect="1" noMove="1" noResize="1" noEditPoints="1" noAdjustHandles="1" noChangeArrowheads="1" noChangeShapeType="1" noTextEdit="1"/>
+          </p:cNvSpPr>
+          <p:nvPr>
+            <p:extLst>
+              <p:ext uri="{386F3935-93C4-4BCD-93E2-E3B085C9AB24}">
+                <p16:designElem xmlns:p16="http://schemas.microsoft.com/office/powerpoint/2015/main" val="1"/>
+              </p:ext>
+            </p:extLst>
+          </p:nvPr>
+        </p:nvSpPr>
+        <p:spPr>
+          <a:xfrm flipH="1" flipV="1">
+            <a:off x="-2" y="1998845"/>
+            <a:ext cx="11454595" cy="781699"/>
+          </a:xfrm>
+          <a:prstGeom prst="rect">
+            <a:avLst/>
+          </a:prstGeom>
+          <a:solidFill>
+            <a:schemeClr val="accent4"/>
+          </a:solidFill>
+          <a:ln>
+            <a:noFill/>
+          </a:ln>
+        </p:spPr>
+        <p:style>
+          <a:lnRef idx="2">
+            <a:schemeClr val="accent1">
+              <a:shade val="50000"/>
+            </a:schemeClr>
+          </a:lnRef>
+          <a:fillRef idx="1">
+            <a:schemeClr val="accent1"/>
+          </a:fillRef>
+          <a:effectRef idx="0">
+            <a:schemeClr val="accent1"/>
+          </a:effectRef>
+          <a:fontRef idx="minor">
+            <a:schemeClr val="lt1"/>
+          </a:fontRef>
+        </p:style>
+        <p:txBody>
+          <a:bodyPr rtlCol="0" anchor="ctr"/>
+          <a:lstStyle/>
+          <a:p>
+            <a:pPr algn="ctr"/>
+            <a:endParaRPr lang="en-US"/>
+          </a:p>
+        </p:txBody>
+      </p:sp>
+      <p:sp>
+        <p:nvSpPr>
+          <p:cNvPr id="2059" name="Rectangle 2058">
+            <a:extLst>
+              <a:ext uri="{FF2B5EF4-FFF2-40B4-BE49-F238E27FC236}">
+                <a16:creationId xmlns:a16="http://schemas.microsoft.com/office/drawing/2014/main" id="{E659831F-0D9A-4C63-9EBB-8435B85A440F}"/>
+              </a:ext>
+              <a:ext uri="{C183D7F6-B498-43B3-948B-1728B52AA6E4}">
+                <adec:decorative xmlns:adec="http://schemas.microsoft.com/office/drawing/2017/decorative" val="1"/>
+              </a:ext>
+            </a:extLst>
+          </p:cNvPr>
+          <p:cNvSpPr>
+            <a:spLocks noGrp="1" noRot="1" noChangeAspect="1" noMove="1" noResize="1" noEditPoints="1" noAdjustHandles="1" noChangeArrowheads="1" noChangeShapeType="1" noTextEdit="1"/>
+          </p:cNvSpPr>
+          <p:nvPr>
+            <p:extLst>
+              <p:ext uri="{386F3935-93C4-4BCD-93E2-E3B085C9AB24}">
+                <p16:designElem xmlns:p16="http://schemas.microsoft.com/office/powerpoint/2015/main" val="1"/>
+              </p:ext>
+            </p:extLst>
+          </p:nvPr>
+        </p:nvSpPr>
+        <p:spPr>
+          <a:xfrm>
+            <a:off x="0" y="2203079"/>
+            <a:ext cx="11383362" cy="4267991"/>
+          </a:xfrm>
+          <a:prstGeom prst="rect">
+            <a:avLst/>
+          </a:prstGeom>
+          <a:solidFill>
+            <a:schemeClr val="bg1"/>
+          </a:solidFill>
+          <a:ln>
+            <a:noFill/>
+          </a:ln>
+          <a:effectLst>
+            <a:outerShdw blurRad="139700" dist="127000" dir="5400000" algn="t" rotWithShape="0">
+              <a:prstClr val="black">
+                <a:alpha val="15000"/>
+              </a:prstClr>
+            </a:outerShdw>
+          </a:effectLst>
+        </p:spPr>
+        <p:style>
+          <a:lnRef idx="2">
+            <a:schemeClr val="accent1">
+              <a:shade val="50000"/>
+            </a:schemeClr>
+          </a:lnRef>
+          <a:fillRef idx="1">
+            <a:schemeClr val="accent1"/>
+          </a:fillRef>
+          <a:effectRef idx="0">
+            <a:schemeClr val="accent1"/>
+          </a:effectRef>
+          <a:fontRef idx="minor">
+            <a:schemeClr val="lt1"/>
+          </a:fontRef>
+        </p:style>
+        <p:txBody>
+          <a:bodyPr rtlCol="0" anchor="ctr"/>
+          <a:lstStyle/>
+          <a:p>
+            <a:pPr algn="ctr"/>
+            <a:endParaRPr lang="en-US"/>
+          </a:p>
+        </p:txBody>
+      </p:sp>
+      <p:sp>
+        <p:nvSpPr>
+          <p:cNvPr id="3" name="Content Placeholder 2">
+            <a:extLst>
+              <a:ext uri="{FF2B5EF4-FFF2-40B4-BE49-F238E27FC236}">
+                <a16:creationId xmlns:a16="http://schemas.microsoft.com/office/drawing/2014/main" id="{71C2B118-2C00-EF91-C6C6-DBC8784CEDE8}"/>
+              </a:ext>
+            </a:extLst>
+          </p:cNvPr>
+          <p:cNvSpPr>
+            <a:spLocks noGrp="1"/>
+          </p:cNvSpPr>
+          <p:nvPr>
+            <p:ph idx="1"/>
+          </p:nvPr>
+        </p:nvSpPr>
+        <p:spPr>
+          <a:xfrm>
+            <a:off x="793661" y="2599509"/>
+            <a:ext cx="4530898" cy="3639450"/>
+          </a:xfrm>
+        </p:spPr>
+        <p:txBody>
+          <a:bodyPr anchor="ctr">
+            <a:normAutofit/>
+          </a:bodyPr>
+          <a:lstStyle/>
+          <a:p>
+            <a:r>
+              <a:rPr lang="en-IE" sz="2000"/>
+              <a:t>Extend existing lab to include watering action</a:t>
+            </a:r>
+          </a:p>
+          <a:p>
+            <a:r>
+              <a:rPr lang="en-IE" sz="2000"/>
+              <a:t>Log actions</a:t>
+            </a:r>
+          </a:p>
+          <a:p>
+            <a:pPr marL="0" indent="0">
               <a:buNone/>
-              <a:tabLst/>
-              <a:defRPr/>
             </a:pPr>
-            <a:endParaRPr kumimoji="0" lang="en-US" sz="1800" b="0" i="0" u="none" strike="noStrike" kern="1200" cap="none" spc="0" normalizeH="0" baseline="0" noProof="0">
-              <a:ln>
-                <a:noFill/>
-              </a:ln>
-              <a:solidFill>
-                <a:prstClr val="white"/>
-              </a:solidFill>
-              <a:effectLst/>
-              <a:uLnTx/>
-              <a:uFillTx/>
-              <a:latin typeface="Calibri" panose="020F0502020204030204"/>
-              <a:ea typeface="+mn-ea"/>
-              <a:cs typeface="+mn-cs"/>
-            </a:endParaRPr>
+            <a:endParaRPr lang="en-IE" sz="2000"/>
           </a:p>
         </p:txBody>
       </p:sp>
       <p:pic>
         <p:nvPicPr>
-          <p:cNvPr id="1032" name="Picture 8" descr="How to Successfully Transition to a Cycling Commute">
+          <p:cNvPr id="2050" name="Picture 2" descr="Intro || IoT Automatic Plant Watering System - YouTube">
             <a:extLst>
               <a:ext uri="{FF2B5EF4-FFF2-40B4-BE49-F238E27FC236}">
-                <a16:creationId xmlns:a16="http://schemas.microsoft.com/office/drawing/2014/main" id="{84692824-9664-A87F-2249-16CB1318AB31}"/>
+                <a16:creationId xmlns:a16="http://schemas.microsoft.com/office/drawing/2014/main" id="{A17716A1-3AA7-292A-8482-036827A85089}"/>
               </a:ext>
             </a:extLst>
           </p:cNvPr>
@@ -18400,222 +18487,26 @@
           </p:cNvPicPr>
           <p:nvPr/>
         </p:nvPicPr>
-        <p:blipFill rotWithShape="1">
-          <a:blip r:embed="rId3">
+        <p:blipFill>
+          <a:blip r:embed="rId2" cstate="print">
             <a:extLst>
               <a:ext uri="{28A0092B-C50C-407E-A947-70E740481C1C}">
                 <a14:useLocalDpi xmlns:a14="http://schemas.microsoft.com/office/drawing/2010/main" val="0"/>
               </a:ext>
             </a:extLst>
           </a:blip>
-          <a:srcRect l="17546" r="16208" b="5"/>
-          <a:stretch/>
+          <a:stretch>
+            <a:fillRect/>
+          </a:stretch>
         </p:blipFill>
         <p:spPr bwMode="auto">
           <a:xfrm>
-            <a:off x="3545527" y="3036574"/>
-            <a:ext cx="2505456" cy="2505456"/>
+            <a:off x="5911532" y="2892862"/>
+            <a:ext cx="5150277" cy="2897030"/>
           </a:xfrm>
-          <a:custGeom>
+          <a:prstGeom prst="rect">
             <a:avLst/>
-            <a:gdLst/>
-            <a:ahLst/>
-            <a:cxnLst/>
-            <a:rect l="l" t="t" r="r" b="b"/>
-            <a:pathLst>
-              <a:path w="2505456" h="2505456">
-                <a:moveTo>
-                  <a:pt x="1252728" y="0"/>
-                </a:moveTo>
-                <a:cubicBezTo>
-                  <a:pt x="1944591" y="0"/>
-                  <a:pt x="2505456" y="560865"/>
-                  <a:pt x="2505456" y="1252728"/>
-                </a:cubicBezTo>
-                <a:cubicBezTo>
-                  <a:pt x="2505456" y="1944591"/>
-                  <a:pt x="1944591" y="2505456"/>
-                  <a:pt x="1252728" y="2505456"/>
-                </a:cubicBezTo>
-                <a:cubicBezTo>
-                  <a:pt x="560865" y="2505456"/>
-                  <a:pt x="0" y="1944591"/>
-                  <a:pt x="0" y="1252728"/>
-                </a:cubicBezTo>
-                <a:cubicBezTo>
-                  <a:pt x="0" y="560865"/>
-                  <a:pt x="560865" y="0"/>
-                  <a:pt x="1252728" y="0"/>
-                </a:cubicBezTo>
-                <a:close/>
-              </a:path>
-            </a:pathLst>
-          </a:custGeom>
-          <a:noFill/>
-          <a:extLst>
-            <a:ext uri="{909E8E84-426E-40DD-AFC4-6F175D3DCCD1}">
-              <a14:hiddenFill xmlns:a14="http://schemas.microsoft.com/office/drawing/2010/main">
-                <a:solidFill>
-                  <a:srgbClr val="FFFFFF"/>
-                </a:solidFill>
-              </a14:hiddenFill>
-            </a:ext>
-          </a:extLst>
-        </p:spPr>
-      </p:pic>
-      <p:pic>
-        <p:nvPicPr>
-          <p:cNvPr id="1026" name="Picture 2">
-            <a:extLst>
-              <a:ext uri="{FF2B5EF4-FFF2-40B4-BE49-F238E27FC236}">
-                <a16:creationId xmlns:a16="http://schemas.microsoft.com/office/drawing/2014/main" id="{49581B94-0180-0AE6-C241-49B2EB055501}"/>
-              </a:ext>
-            </a:extLst>
-          </p:cNvPr>
-          <p:cNvPicPr>
-            <a:picLocks noChangeAspect="1" noChangeArrowheads="1"/>
-          </p:cNvPicPr>
-          <p:nvPr/>
-        </p:nvPicPr>
-        <p:blipFill rotWithShape="1">
-          <a:blip r:embed="rId4" cstate="print">
-            <a:extLst>
-              <a:ext uri="{28A0092B-C50C-407E-A947-70E740481C1C}">
-                <a14:useLocalDpi xmlns:a14="http://schemas.microsoft.com/office/drawing/2010/main" val="0"/>
-              </a:ext>
-            </a:extLst>
-          </a:blip>
-          <a:srcRect l="10179" r="12467" b="-1"/>
-          <a:stretch/>
-        </p:blipFill>
-        <p:spPr bwMode="auto">
-          <a:xfrm>
-            <a:off x="20" y="10"/>
-            <a:ext cx="3904480" cy="3318836"/>
-          </a:xfrm>
-          <a:custGeom>
-            <a:avLst/>
-            <a:gdLst/>
-            <a:ahLst/>
-            <a:cxnLst/>
-            <a:rect l="l" t="t" r="r" b="b"/>
-            <a:pathLst>
-              <a:path w="3904500" h="3318846">
-                <a:moveTo>
-                  <a:pt x="0" y="0"/>
-                </a:moveTo>
-                <a:lnTo>
-                  <a:pt x="3550823" y="0"/>
-                </a:lnTo>
-                <a:lnTo>
-                  <a:pt x="3646046" y="156742"/>
-                </a:lnTo>
-                <a:cubicBezTo>
-                  <a:pt x="3810874" y="460163"/>
-                  <a:pt x="3904500" y="807876"/>
-                  <a:pt x="3904500" y="1177456"/>
-                </a:cubicBezTo>
-                <a:cubicBezTo>
-                  <a:pt x="3904500" y="2360113"/>
-                  <a:pt x="2945767" y="3318846"/>
-                  <a:pt x="1763110" y="3318846"/>
-                </a:cubicBezTo>
-                <a:cubicBezTo>
-                  <a:pt x="1097866" y="3318846"/>
-                  <a:pt x="503472" y="3015497"/>
-                  <a:pt x="110709" y="2539579"/>
-                </a:cubicBezTo>
-                <a:lnTo>
-                  <a:pt x="0" y="2391530"/>
-                </a:lnTo>
-                <a:close/>
-              </a:path>
-            </a:pathLst>
-          </a:custGeom>
-          <a:noFill/>
-          <a:extLst>
-            <a:ext uri="{909E8E84-426E-40DD-AFC4-6F175D3DCCD1}">
-              <a14:hiddenFill xmlns:a14="http://schemas.microsoft.com/office/drawing/2010/main">
-                <a:solidFill>
-                  <a:srgbClr val="FFFFFF"/>
-                </a:solidFill>
-              </a14:hiddenFill>
-            </a:ext>
-          </a:extLst>
-        </p:spPr>
-      </p:pic>
-      <p:pic>
-        <p:nvPicPr>
-          <p:cNvPr id="1028" name="Picture 4">
-            <a:extLst>
-              <a:ext uri="{FF2B5EF4-FFF2-40B4-BE49-F238E27FC236}">
-                <a16:creationId xmlns:a16="http://schemas.microsoft.com/office/drawing/2014/main" id="{78145182-C37F-1EF6-0EE0-16EE4B7BBEAB}"/>
-              </a:ext>
-            </a:extLst>
-          </p:cNvPr>
-          <p:cNvPicPr>
-            <a:picLocks noChangeAspect="1" noChangeArrowheads="1"/>
-          </p:cNvPicPr>
-          <p:nvPr/>
-        </p:nvPicPr>
-        <p:blipFill rotWithShape="1">
-          <a:blip r:embed="rId5">
-            <a:extLst>
-              <a:ext uri="{28A0092B-C50C-407E-A947-70E740481C1C}">
-                <a14:useLocalDpi xmlns:a14="http://schemas.microsoft.com/office/drawing/2010/main" val="0"/>
-              </a:ext>
-            </a:extLst>
-          </a:blip>
-          <a:srcRect l="7595" r="15708" b="4"/>
-          <a:stretch/>
-        </p:blipFill>
-        <p:spPr bwMode="auto">
-          <a:xfrm>
-            <a:off x="1" y="4207014"/>
-            <a:ext cx="3050387" cy="2654675"/>
-          </a:xfrm>
-          <a:custGeom>
-            <a:avLst/>
-            <a:gdLst/>
-            <a:ahLst/>
-            <a:cxnLst/>
-            <a:rect l="l" t="t" r="r" b="b"/>
-            <a:pathLst>
-              <a:path w="3050387" h="2654675">
-                <a:moveTo>
-                  <a:pt x="1360112" y="0"/>
-                </a:moveTo>
-                <a:cubicBezTo>
-                  <a:pt x="2293625" y="0"/>
-                  <a:pt x="3050387" y="756762"/>
-                  <a:pt x="3050387" y="1690275"/>
-                </a:cubicBezTo>
-                <a:cubicBezTo>
-                  <a:pt x="3050387" y="2040343"/>
-                  <a:pt x="2943967" y="2365554"/>
-                  <a:pt x="2761715" y="2635324"/>
-                </a:cubicBezTo>
-                <a:lnTo>
-                  <a:pt x="2747244" y="2654675"/>
-                </a:lnTo>
-                <a:lnTo>
-                  <a:pt x="0" y="2654675"/>
-                </a:lnTo>
-                <a:lnTo>
-                  <a:pt x="0" y="689742"/>
-                </a:lnTo>
-                <a:lnTo>
-                  <a:pt x="55814" y="615103"/>
-                </a:lnTo>
-                <a:cubicBezTo>
-                  <a:pt x="365835" y="239445"/>
-                  <a:pt x="835011" y="0"/>
-                  <a:pt x="1360112" y="0"/>
-                </a:cubicBezTo>
-                <a:close/>
-              </a:path>
-            </a:pathLst>
-          </a:custGeom>
+          </a:prstGeom>
           <a:noFill/>
           <a:extLst>
             <a:ext uri="{909E8E84-426E-40DD-AFC4-6F175D3DCCD1}">
@@ -18630,10 +18521,339 @@
       </p:pic>
       <p:sp>
         <p:nvSpPr>
+          <p:cNvPr id="2061" name="Rectangle 2060">
+            <a:extLst>
+              <a:ext uri="{FF2B5EF4-FFF2-40B4-BE49-F238E27FC236}">
+                <a16:creationId xmlns:a16="http://schemas.microsoft.com/office/drawing/2014/main" id="{E6995CE5-F890-4ABA-82A2-26507CE8D2A3}"/>
+              </a:ext>
+              <a:ext uri="{C183D7F6-B498-43B3-948B-1728B52AA6E4}">
+                <adec:decorative xmlns:adec="http://schemas.microsoft.com/office/drawing/2017/decorative" val="1"/>
+              </a:ext>
+            </a:extLst>
+          </p:cNvPr>
+          <p:cNvSpPr>
+            <a:spLocks noGrp="1" noRot="1" noChangeAspect="1" noMove="1" noResize="1" noEditPoints="1" noAdjustHandles="1" noChangeArrowheads="1" noChangeShapeType="1" noTextEdit="1"/>
+          </p:cNvSpPr>
+          <p:nvPr>
+            <p:extLst>
+              <p:ext uri="{386F3935-93C4-4BCD-93E2-E3B085C9AB24}">
+                <p16:designElem xmlns:p16="http://schemas.microsoft.com/office/powerpoint/2015/main" val="1"/>
+              </p:ext>
+            </p:extLst>
+          </p:nvPr>
+        </p:nvSpPr>
+        <p:spPr>
+          <a:xfrm rot="5400000">
+            <a:off x="11228040" y="2313027"/>
+            <a:ext cx="781700" cy="152382"/>
+          </a:xfrm>
+          <a:prstGeom prst="rect">
+            <a:avLst/>
+          </a:prstGeom>
+          <a:solidFill>
+            <a:schemeClr val="accent4"/>
+          </a:solidFill>
+          <a:ln>
+            <a:noFill/>
+          </a:ln>
+        </p:spPr>
+        <p:style>
+          <a:lnRef idx="2">
+            <a:schemeClr val="accent1">
+              <a:shade val="50000"/>
+            </a:schemeClr>
+          </a:lnRef>
+          <a:fillRef idx="1">
+            <a:schemeClr val="accent1"/>
+          </a:fillRef>
+          <a:effectRef idx="0">
+            <a:schemeClr val="accent1"/>
+          </a:effectRef>
+          <a:fontRef idx="minor">
+            <a:schemeClr val="lt1"/>
+          </a:fontRef>
+        </p:style>
+        <p:txBody>
+          <a:bodyPr rtlCol="0" anchor="ctr"/>
+          <a:lstStyle/>
+          <a:p>
+            <a:pPr algn="ctr"/>
+            <a:endParaRPr lang="en-US"/>
+          </a:p>
+        </p:txBody>
+      </p:sp>
+    </p:spTree>
+    <p:extLst>
+      <p:ext uri="{BB962C8B-B14F-4D97-AF65-F5344CB8AC3E}">
+        <p14:creationId xmlns:p14="http://schemas.microsoft.com/office/powerpoint/2010/main" val="840424034"/>
+      </p:ext>
+    </p:extLst>
+  </p:cSld>
+  <p:clrMapOvr>
+    <a:masterClrMapping/>
+  </p:clrMapOvr>
+</p:sld>
+</file>
+
+<file path=ppt/slides/slide8.xml><?xml version="1.0" encoding="utf-8"?>
+<p:sld xmlns:a="http://schemas.openxmlformats.org/drawingml/2006/main" xmlns:r="http://schemas.openxmlformats.org/officeDocument/2006/relationships" xmlns:p="http://schemas.openxmlformats.org/presentationml/2006/main">
+  <p:cSld>
+    <p:bg>
+      <p:bgPr>
+        <a:solidFill>
+          <a:schemeClr val="bg1"/>
+        </a:solidFill>
+        <a:effectLst/>
+      </p:bgPr>
+    </p:bg>
+    <p:spTree>
+      <p:nvGrpSpPr>
+        <p:cNvPr id="1" name=""/>
+        <p:cNvGrpSpPr/>
+        <p:nvPr/>
+      </p:nvGrpSpPr>
+      <p:grpSpPr>
+        <a:xfrm>
+          <a:off x="0" y="0"/>
+          <a:ext cx="0" cy="0"/>
+          <a:chOff x="0" y="0"/>
+          <a:chExt cx="0" cy="0"/>
+        </a:xfrm>
+      </p:grpSpPr>
+      <p:sp useBgFill="1">
+        <p:nvSpPr>
+          <p:cNvPr id="3079" name="Rectangle 3078">
+            <a:extLst>
+              <a:ext uri="{FF2B5EF4-FFF2-40B4-BE49-F238E27FC236}">
+                <a16:creationId xmlns:a16="http://schemas.microsoft.com/office/drawing/2014/main" id="{058A14AF-9FB5-4CC7-BA35-E8E85D3EDF0E}"/>
+              </a:ext>
+              <a:ext uri="{C183D7F6-B498-43B3-948B-1728B52AA6E4}">
+                <adec:decorative xmlns:adec="http://schemas.microsoft.com/office/drawing/2017/decorative" val="1"/>
+              </a:ext>
+            </a:extLst>
+          </p:cNvPr>
+          <p:cNvSpPr>
+            <a:spLocks noGrp="1" noRot="1" noChangeAspect="1" noMove="1" noResize="1" noEditPoints="1" noAdjustHandles="1" noChangeArrowheads="1" noChangeShapeType="1" noTextEdit="1"/>
+          </p:cNvSpPr>
+          <p:nvPr>
+            <p:extLst>
+              <p:ext uri="{386F3935-93C4-4BCD-93E2-E3B085C9AB24}">
+                <p16:designElem xmlns:p16="http://schemas.microsoft.com/office/powerpoint/2015/main" val="1"/>
+              </p:ext>
+            </p:extLst>
+          </p:nvPr>
+        </p:nvSpPr>
+        <p:spPr>
+          <a:xfrm>
+            <a:off x="0" y="0"/>
+            <a:ext cx="12191999" cy="6857365"/>
+          </a:xfrm>
+          <a:prstGeom prst="rect">
+            <a:avLst/>
+          </a:prstGeom>
+          <a:ln>
+            <a:noFill/>
+          </a:ln>
+        </p:spPr>
+        <p:style>
+          <a:lnRef idx="2">
+            <a:schemeClr val="accent1">
+              <a:shade val="50000"/>
+            </a:schemeClr>
+          </a:lnRef>
+          <a:fillRef idx="1">
+            <a:schemeClr val="accent1"/>
+          </a:fillRef>
+          <a:effectRef idx="0">
+            <a:schemeClr val="accent1"/>
+          </a:effectRef>
+          <a:fontRef idx="minor">
+            <a:schemeClr val="lt1"/>
+          </a:fontRef>
+        </p:style>
+        <p:txBody>
+          <a:bodyPr rtlCol="0" anchor="ctr"/>
+          <a:lstStyle/>
+          <a:p>
+            <a:pPr algn="ctr"/>
+            <a:endParaRPr lang="en-US"/>
+          </a:p>
+        </p:txBody>
+      </p:sp>
+      <p:sp>
+        <p:nvSpPr>
+          <p:cNvPr id="2" name="Title 1">
+            <a:extLst>
+              <a:ext uri="{FF2B5EF4-FFF2-40B4-BE49-F238E27FC236}">
+                <a16:creationId xmlns:a16="http://schemas.microsoft.com/office/drawing/2014/main" id="{A66AF9ED-0F06-3776-066D-5DE21FDF7CC1}"/>
+              </a:ext>
+            </a:extLst>
+          </p:cNvPr>
+          <p:cNvSpPr>
+            <a:spLocks noGrp="1"/>
+          </p:cNvSpPr>
+          <p:nvPr>
+            <p:ph type="title"/>
+          </p:nvPr>
+        </p:nvSpPr>
+        <p:spPr>
+          <a:xfrm>
+            <a:off x="793662" y="386930"/>
+            <a:ext cx="10066122" cy="1298448"/>
+          </a:xfrm>
+        </p:spPr>
+        <p:txBody>
+          <a:bodyPr anchor="b">
+            <a:normAutofit/>
+          </a:bodyPr>
+          <a:lstStyle/>
+          <a:p>
+            <a:r>
+              <a:rPr lang="en-IE" sz="4800"/>
+              <a:t>Possible Projects: Weather Monitoring</a:t>
+            </a:r>
+          </a:p>
+        </p:txBody>
+      </p:sp>
+      <p:sp>
+        <p:nvSpPr>
+          <p:cNvPr id="3081" name="Rectangle 3080">
+            <a:extLst>
+              <a:ext uri="{FF2B5EF4-FFF2-40B4-BE49-F238E27FC236}">
+                <a16:creationId xmlns:a16="http://schemas.microsoft.com/office/drawing/2014/main" id="{3A9A4357-BD1D-4622-A4FE-766E6AB8DE84}"/>
+              </a:ext>
+              <a:ext uri="{C183D7F6-B498-43B3-948B-1728B52AA6E4}">
+                <adec:decorative xmlns:adec="http://schemas.microsoft.com/office/drawing/2017/decorative" val="1"/>
+              </a:ext>
+            </a:extLst>
+          </p:cNvPr>
+          <p:cNvSpPr>
+            <a:spLocks noGrp="1" noRot="1" noChangeAspect="1" noMove="1" noResize="1" noEditPoints="1" noAdjustHandles="1" noChangeArrowheads="1" noChangeShapeType="1" noTextEdit="1"/>
+          </p:cNvSpPr>
+          <p:nvPr>
+            <p:extLst>
+              <p:ext uri="{386F3935-93C4-4BCD-93E2-E3B085C9AB24}">
+                <p16:designElem xmlns:p16="http://schemas.microsoft.com/office/powerpoint/2015/main" val="1"/>
+              </p:ext>
+            </p:extLst>
+          </p:nvPr>
+        </p:nvSpPr>
+        <p:spPr>
+          <a:xfrm flipH="1" flipV="1">
+            <a:off x="-2" y="1998845"/>
+            <a:ext cx="11454595" cy="781699"/>
+          </a:xfrm>
+          <a:prstGeom prst="rect">
+            <a:avLst/>
+          </a:prstGeom>
+          <a:solidFill>
+            <a:schemeClr val="accent4"/>
+          </a:solidFill>
+          <a:ln>
+            <a:noFill/>
+          </a:ln>
+        </p:spPr>
+        <p:style>
+          <a:lnRef idx="2">
+            <a:schemeClr val="accent1">
+              <a:shade val="50000"/>
+            </a:schemeClr>
+          </a:lnRef>
+          <a:fillRef idx="1">
+            <a:schemeClr val="accent1"/>
+          </a:fillRef>
+          <a:effectRef idx="0">
+            <a:schemeClr val="accent1"/>
+          </a:effectRef>
+          <a:fontRef idx="minor">
+            <a:schemeClr val="lt1"/>
+          </a:fontRef>
+        </p:style>
+        <p:txBody>
+          <a:bodyPr rtlCol="0" anchor="ctr"/>
+          <a:lstStyle/>
+          <a:p>
+            <a:pPr algn="ctr"/>
+            <a:endParaRPr lang="en-US"/>
+          </a:p>
+        </p:txBody>
+      </p:sp>
+      <p:sp>
+        <p:nvSpPr>
+          <p:cNvPr id="3083" name="Rectangle 3082">
+            <a:extLst>
+              <a:ext uri="{FF2B5EF4-FFF2-40B4-BE49-F238E27FC236}">
+                <a16:creationId xmlns:a16="http://schemas.microsoft.com/office/drawing/2014/main" id="{E659831F-0D9A-4C63-9EBB-8435B85A440F}"/>
+              </a:ext>
+              <a:ext uri="{C183D7F6-B498-43B3-948B-1728B52AA6E4}">
+                <adec:decorative xmlns:adec="http://schemas.microsoft.com/office/drawing/2017/decorative" val="1"/>
+              </a:ext>
+            </a:extLst>
+          </p:cNvPr>
+          <p:cNvSpPr>
+            <a:spLocks noGrp="1" noRot="1" noChangeAspect="1" noMove="1" noResize="1" noEditPoints="1" noAdjustHandles="1" noChangeArrowheads="1" noChangeShapeType="1" noTextEdit="1"/>
+          </p:cNvSpPr>
+          <p:nvPr>
+            <p:extLst>
+              <p:ext uri="{386F3935-93C4-4BCD-93E2-E3B085C9AB24}">
+                <p16:designElem xmlns:p16="http://schemas.microsoft.com/office/powerpoint/2015/main" val="1"/>
+              </p:ext>
+            </p:extLst>
+          </p:nvPr>
+        </p:nvSpPr>
+        <p:spPr>
+          <a:xfrm>
+            <a:off x="0" y="2203079"/>
+            <a:ext cx="11383362" cy="4267991"/>
+          </a:xfrm>
+          <a:prstGeom prst="rect">
+            <a:avLst/>
+          </a:prstGeom>
+          <a:solidFill>
+            <a:schemeClr val="bg1"/>
+          </a:solidFill>
+          <a:ln>
+            <a:noFill/>
+          </a:ln>
+          <a:effectLst>
+            <a:outerShdw blurRad="139700" dist="127000" dir="5400000" algn="t" rotWithShape="0">
+              <a:prstClr val="black">
+                <a:alpha val="15000"/>
+              </a:prstClr>
+            </a:outerShdw>
+          </a:effectLst>
+        </p:spPr>
+        <p:style>
+          <a:lnRef idx="2">
+            <a:schemeClr val="accent1">
+              <a:shade val="50000"/>
+            </a:schemeClr>
+          </a:lnRef>
+          <a:fillRef idx="1">
+            <a:schemeClr val="accent1"/>
+          </a:fillRef>
+          <a:effectRef idx="0">
+            <a:schemeClr val="accent1"/>
+          </a:effectRef>
+          <a:fontRef idx="minor">
+            <a:schemeClr val="lt1"/>
+          </a:fontRef>
+        </p:style>
+        <p:txBody>
+          <a:bodyPr rtlCol="0" anchor="ctr"/>
+          <a:lstStyle/>
+          <a:p>
+            <a:pPr algn="ctr"/>
+            <a:endParaRPr lang="en-US"/>
+          </a:p>
+        </p:txBody>
+      </p:sp>
+      <p:sp>
+        <p:nvSpPr>
           <p:cNvPr id="3" name="Content Placeholder 2">
             <a:extLst>
               <a:ext uri="{FF2B5EF4-FFF2-40B4-BE49-F238E27FC236}">
-                <a16:creationId xmlns:a16="http://schemas.microsoft.com/office/drawing/2014/main" id="{170251FD-2940-4EB7-85A7-5825AD3B04B1}"/>
+                <a16:creationId xmlns:a16="http://schemas.microsoft.com/office/drawing/2014/main" id="{0EC5B2E6-23CC-5704-1BFF-E6E809523A2E}"/>
               </a:ext>
             </a:extLst>
           </p:cNvPr>
@@ -18646,86 +18866,147 @@
         </p:nvSpPr>
         <p:spPr>
           <a:xfrm>
-            <a:off x="6979313" y="2871982"/>
-            <a:ext cx="4375579" cy="3100193"/>
+            <a:off x="793661" y="2599509"/>
+            <a:ext cx="4530898" cy="3639450"/>
           </a:xfrm>
         </p:spPr>
         <p:txBody>
-          <a:bodyPr anchor="t">
-            <a:normAutofit lnSpcReduction="10000"/>
+          <a:bodyPr anchor="ctr">
+            <a:normAutofit/>
           </a:bodyPr>
           <a:lstStyle/>
           <a:p>
             <a:r>
-              <a:rPr lang="en-GB" sz="1700" dirty="0"/>
-              <a:t>Government launched campaign to </a:t>
-            </a:r>
-            <a:r>
-              <a:rPr lang="en-GB" sz="1700" dirty="0">
-                <a:hlinkClick r:id="rId6"/>
-              </a:rPr>
-              <a:t>encourage energy efficiency</a:t>
-            </a:r>
-            <a:endParaRPr lang="en-GB" sz="1700" dirty="0"/>
-          </a:p>
-          <a:p>
-            <a:r>
-              <a:rPr lang="en-IE" sz="1700" dirty="0"/>
-              <a:t>Increase in renewables/wind energy production</a:t>
+              <a:rPr lang="en-IE" sz="2000"/>
+              <a:t>Connect wind/rain/temp sensor. </a:t>
             </a:r>
           </a:p>
           <a:p>
             <a:r>
-              <a:rPr lang="en-IE" sz="1700" dirty="0"/>
-              <a:t>Optimal to use high energy appliances:</a:t>
+              <a:rPr lang="en-IE" sz="2000"/>
+              <a:t>Create Dashboard to remote monitor. </a:t>
             </a:r>
           </a:p>
+        </p:txBody>
+      </p:sp>
+      <p:pic>
+        <p:nvPicPr>
+          <p:cNvPr id="3074" name="Picture 2" descr="SparkFun launches ESP32-based &quot;Arduino IoT Weather Station&quot; with ...">
+            <a:extLst>
+              <a:ext uri="{FF2B5EF4-FFF2-40B4-BE49-F238E27FC236}">
+                <a16:creationId xmlns:a16="http://schemas.microsoft.com/office/drawing/2014/main" id="{E1B00071-0289-A460-1EB1-A1EAC5E5C81B}"/>
+              </a:ext>
+            </a:extLst>
+          </p:cNvPr>
+          <p:cNvPicPr>
+            <a:picLocks noChangeAspect="1" noChangeArrowheads="1"/>
+          </p:cNvPicPr>
+          <p:nvPr/>
+        </p:nvPicPr>
+        <p:blipFill>
+          <a:blip r:embed="rId2" cstate="print">
+            <a:extLst>
+              <a:ext uri="{28A0092B-C50C-407E-A947-70E740481C1C}">
+                <a14:useLocalDpi xmlns:a14="http://schemas.microsoft.com/office/drawing/2010/main" val="0"/>
+              </a:ext>
+            </a:extLst>
+          </a:blip>
+          <a:stretch>
+            <a:fillRect/>
+          </a:stretch>
+        </p:blipFill>
+        <p:spPr bwMode="auto">
+          <a:xfrm>
+            <a:off x="6143299" y="2484255"/>
+            <a:ext cx="4686743" cy="3714244"/>
+          </a:xfrm>
+          <a:prstGeom prst="rect">
+            <a:avLst/>
+          </a:prstGeom>
+          <a:noFill/>
+          <a:extLst>
+            <a:ext uri="{909E8E84-426E-40DD-AFC4-6F175D3DCCD1}">
+              <a14:hiddenFill xmlns:a14="http://schemas.microsoft.com/office/drawing/2010/main">
+                <a:solidFill>
+                  <a:srgbClr val="FFFFFF"/>
+                </a:solidFill>
+              </a14:hiddenFill>
+            </a:ext>
+          </a:extLst>
+        </p:spPr>
+      </p:pic>
+      <p:sp>
+        <p:nvSpPr>
+          <p:cNvPr id="3085" name="Rectangle 3084">
+            <a:extLst>
+              <a:ext uri="{FF2B5EF4-FFF2-40B4-BE49-F238E27FC236}">
+                <a16:creationId xmlns:a16="http://schemas.microsoft.com/office/drawing/2014/main" id="{E6995CE5-F890-4ABA-82A2-26507CE8D2A3}"/>
+              </a:ext>
+              <a:ext uri="{C183D7F6-B498-43B3-948B-1728B52AA6E4}">
+                <adec:decorative xmlns:adec="http://schemas.microsoft.com/office/drawing/2017/decorative" val="1"/>
+              </a:ext>
+            </a:extLst>
+          </p:cNvPr>
+          <p:cNvSpPr>
+            <a:spLocks noGrp="1" noRot="1" noChangeAspect="1" noMove="1" noResize="1" noEditPoints="1" noAdjustHandles="1" noChangeArrowheads="1" noChangeShapeType="1" noTextEdit="1"/>
+          </p:cNvSpPr>
+          <p:nvPr>
+            <p:extLst>
+              <p:ext uri="{386F3935-93C4-4BCD-93E2-E3B085C9AB24}">
+                <p16:designElem xmlns:p16="http://schemas.microsoft.com/office/powerpoint/2015/main" val="1"/>
+              </p:ext>
+            </p:extLst>
+          </p:nvPr>
+        </p:nvSpPr>
+        <p:spPr>
+          <a:xfrm rot="5400000">
+            <a:off x="11228040" y="2313027"/>
+            <a:ext cx="781700" cy="152382"/>
+          </a:xfrm>
+          <a:prstGeom prst="rect">
+            <a:avLst/>
+          </a:prstGeom>
+          <a:solidFill>
+            <a:schemeClr val="accent4"/>
+          </a:solidFill>
+          <a:ln>
+            <a:noFill/>
+          </a:ln>
+        </p:spPr>
+        <p:style>
+          <a:lnRef idx="2">
+            <a:schemeClr val="accent1">
+              <a:shade val="50000"/>
+            </a:schemeClr>
+          </a:lnRef>
+          <a:fillRef idx="1">
+            <a:schemeClr val="accent1"/>
+          </a:fillRef>
+          <a:effectRef idx="0">
+            <a:schemeClr val="accent1"/>
+          </a:effectRef>
+          <a:fontRef idx="minor">
+            <a:schemeClr val="lt1"/>
+          </a:fontRef>
+        </p:style>
+        <p:txBody>
+          <a:bodyPr rtlCol="0" anchor="ctr"/>
+          <a:lstStyle/>
           <a:p>
-            <a:pPr lvl="1"/>
-            <a:r>
-              <a:rPr lang="en-IE" sz="1700" dirty="0"/>
-              <a:t>When outside peak hours</a:t>
-            </a:r>
-          </a:p>
-          <a:p>
-            <a:pPr lvl="1"/>
-            <a:r>
-              <a:rPr lang="en-IE" sz="1700" dirty="0"/>
-              <a:t>When renewable energy generation is high (e.g. Windy and/or Sunny) </a:t>
-            </a:r>
-          </a:p>
-          <a:p>
-            <a:r>
-              <a:rPr lang="en-IE" sz="1700" dirty="0"/>
-              <a:t>IDEAS: Create an IoT device that identifies:</a:t>
-            </a:r>
-          </a:p>
-          <a:p>
-            <a:pPr lvl="1"/>
-            <a:r>
-              <a:rPr lang="en-IE" sz="1300" dirty="0"/>
-              <a:t>Optimal time to use high energy consuming devices.</a:t>
-            </a:r>
-            <a:endParaRPr lang="en-IE" sz="900" dirty="0"/>
-          </a:p>
-          <a:p>
-            <a:pPr lvl="1"/>
-            <a:r>
-              <a:rPr lang="en-IE" sz="1300" dirty="0"/>
-              <a:t>Encourage use of green transport</a:t>
-            </a:r>
+            <a:pPr algn="ctr"/>
+            <a:endParaRPr lang="en-US"/>
           </a:p>
         </p:txBody>
       </p:sp>
     </p:spTree>
     <p:extLst>
       <p:ext uri="{BB962C8B-B14F-4D97-AF65-F5344CB8AC3E}">
-        <p14:creationId xmlns:p14="http://schemas.microsoft.com/office/powerpoint/2010/main" val="3553389708"/>
+        <p14:creationId xmlns:p14="http://schemas.microsoft.com/office/powerpoint/2010/main" val="371775555"/>
       </p:ext>
     </p:extLst>
   </p:cSld>
   <p:clrMapOvr>
-    <a:overrideClrMapping bg1="dk1" tx1="lt1" bg2="dk2" tx2="lt2" accent1="accent1" accent2="accent2" accent3="accent3" accent4="accent4" accent5="accent5" accent6="accent6" hlink="hlink" folHlink="folHlink"/>
+    <a:masterClrMapping/>
   </p:clrMapOvr>
 </p:sld>
 </file>

--- a/topic-000-assignment/talk-1-assignment-lab/spec_1.pptx
+++ b/topic-000-assignment/talk-1-assignment-lab/spec_1.pptx
@@ -18017,7 +18017,7 @@
         </p:nvSpPr>
         <p:spPr>
           <a:xfrm>
-            <a:off x="793661" y="2599509"/>
+            <a:off x="737407" y="1104621"/>
             <a:ext cx="4530898" cy="3639450"/>
           </a:xfrm>
         </p:spPr>
@@ -18028,7 +18028,7 @@
           <a:lstStyle/>
           <a:p>
             <a:r>
-              <a:rPr lang="en-GB" sz="2000" b="0" i="0">
+              <a:rPr lang="en-GB" sz="2000" b="0" i="0" dirty="0">
                 <a:effectLst/>
                 <a:latin typeface="Söhne"/>
               </a:rPr>
@@ -18037,12 +18037,12 @@
           </a:p>
           <a:p>
             <a:r>
-              <a:rPr lang="en-GB" sz="2000">
+              <a:rPr lang="en-GB" sz="2000" dirty="0">
                 <a:latin typeface="Söhne"/>
               </a:rPr>
               <a:t>Control it from your mobile phone.</a:t>
             </a:r>
-            <a:endParaRPr lang="en-IE" sz="2000"/>
+            <a:endParaRPr lang="en-IE" sz="2000" dirty="0"/>
           </a:p>
         </p:txBody>
       </p:sp>
@@ -18155,6 +18155,81 @@
           </a:p>
         </p:txBody>
       </p:sp>
+      <p:sp>
+        <p:nvSpPr>
+          <p:cNvPr id="4" name="AutoShape 2" descr="Create a detailed diagram showing how to connect a relay module to an Arduino and a fan. The diagram should include an Arduino board, a relay module, and a fan. The Arduino is connected to the relay module via a digital output pin. The relay module controls the power to the fan. Also include connections for the relay module's VCC and GND to the Arduino's 5V and GND pins, respectively. Indicate the power source for the fan, which is separate from the Arduino's power supply, and ensure that all connections are clearly labeled with appropriate pin numbers and power ratings.">
+            <a:extLst>
+              <a:ext uri="{FF2B5EF4-FFF2-40B4-BE49-F238E27FC236}">
+                <a16:creationId xmlns:a16="http://schemas.microsoft.com/office/drawing/2014/main" id="{394734BD-2E3C-3195-2C7E-08873251ABFF}"/>
+              </a:ext>
+            </a:extLst>
+          </p:cNvPr>
+          <p:cNvSpPr>
+            <a:spLocks noChangeAspect="1" noChangeArrowheads="1"/>
+          </p:cNvSpPr>
+          <p:nvPr/>
+        </p:nvSpPr>
+        <p:spPr bwMode="auto">
+          <a:xfrm>
+            <a:off x="5943600" y="3276600"/>
+            <a:ext cx="304800" cy="304800"/>
+          </a:xfrm>
+          <a:prstGeom prst="rect">
+            <a:avLst/>
+          </a:prstGeom>
+          <a:noFill/>
+          <a:extLst>
+            <a:ext uri="{909E8E84-426E-40DD-AFC4-6F175D3DCCD1}">
+              <a14:hiddenFill xmlns:a14="http://schemas.microsoft.com/office/drawing/2010/main">
+                <a:solidFill>
+                  <a:srgbClr val="FFFFFF"/>
+                </a:solidFill>
+              </a14:hiddenFill>
+            </a:ext>
+          </a:extLst>
+        </p:spPr>
+        <p:txBody>
+          <a:bodyPr vert="horz" wrap="square" lIns="91440" tIns="45720" rIns="91440" bIns="45720" numCol="1" anchor="t" anchorCtr="0" compatLnSpc="1">
+            <a:prstTxWarp prst="textNoShape">
+              <a:avLst/>
+            </a:prstTxWarp>
+          </a:bodyPr>
+          <a:lstStyle/>
+          <a:p>
+            <a:endParaRPr lang="en-IE"/>
+          </a:p>
+        </p:txBody>
+      </p:sp>
+      <p:pic>
+        <p:nvPicPr>
+          <p:cNvPr id="6" name="Picture 5">
+            <a:extLst>
+              <a:ext uri="{FF2B5EF4-FFF2-40B4-BE49-F238E27FC236}">
+                <a16:creationId xmlns:a16="http://schemas.microsoft.com/office/drawing/2014/main" id="{EBED8463-1E28-CF8C-3B3F-23F309BF91F4}"/>
+              </a:ext>
+            </a:extLst>
+          </p:cNvPr>
+          <p:cNvPicPr>
+            <a:picLocks noChangeAspect="1"/>
+          </p:cNvPicPr>
+          <p:nvPr/>
+        </p:nvPicPr>
+        <p:blipFill>
+          <a:blip r:embed="rId3"/>
+          <a:stretch>
+            <a:fillRect/>
+          </a:stretch>
+        </p:blipFill>
+        <p:spPr>
+          <a:xfrm>
+            <a:off x="2389728" y="3641287"/>
+            <a:ext cx="2492460" cy="2550528"/>
+          </a:xfrm>
+          <a:prstGeom prst="rect">
+            <a:avLst/>
+          </a:prstGeom>
+        </p:spPr>
+      </p:pic>
     </p:spTree>
     <p:extLst>
       <p:ext uri="{BB962C8B-B14F-4D97-AF65-F5344CB8AC3E}">
